--- a/docs/presentations/marks-journey-short.pptx
+++ b/docs/presentations/marks-journey-short.pptx
@@ -1929,8 +1929,8 @@
         </p:nvSpPr>
         <p:spPr>
           <a:xfrm>
-            <a:off x="634901" y="468809"/>
-            <a:ext cx="3472532" cy="561975"/>
+            <a:off x="634901" y="924967"/>
+            <a:ext cx="5603111" cy="495300"/>
           </a:xfrm>
           <a:prstGeom prst="rect">
             <a:avLst/>
@@ -1944,12 +1944,12 @@
           <a:p>
             <a:pPr algn="l" indent="0" marL="0">
               <a:spcAft>
-                <a:spcPts val="3500"/>
+                <a:spcPts val="2000"/>
               </a:spcAft>
               <a:buNone/>
             </a:pPr>
             <a:r>
-              <a:rPr lang="en-US" sz="3800" b="1" dirty="0">
+              <a:rPr lang="en-US" sz="3400" b="1" dirty="0">
                 <a:solidFill>
                   <a:srgbClr val="FF6B6B"/>
                 </a:solidFill>
@@ -1957,9 +1957,9 @@
                 <a:ea typeface="Arial" pitchFamily="34" charset="-122"/>
                 <a:cs typeface="Arial" pitchFamily="34" charset="-120"/>
               </a:rPr>
-              <a:t>The Disruption</a:t>
-            </a:r>
-            <a:endParaRPr lang="en-US" sz="3800" dirty="0"/>
+              <a:t>The Ground Keeps Moving</a:t>
+            </a:r>
+            <a:endParaRPr lang="en-US" sz="3400" dirty="0"/>
           </a:p>
         </p:txBody>
       </p:sp>
@@ -1971,8 +1971,8 @@
         </p:nvSpPr>
         <p:spPr>
           <a:xfrm>
-            <a:off x="634901" y="1475184"/>
-            <a:ext cx="8031682" cy="1256854"/>
+            <a:off x="634901" y="1674168"/>
+            <a:ext cx="6143384" cy="319980"/>
           </a:xfrm>
           <a:prstGeom prst="rect">
             <a:avLst/>
@@ -1986,15 +1986,15 @@
           <a:p>
             <a:pPr algn="l" indent="0" marL="0">
               <a:lnSpc>
-                <a:spcPts val="3300"/>
-              </a:lnSpc>
-              <a:spcAft>
-                <a:spcPts val="1800"/>
+                <a:spcPts val="2520"/>
+              </a:lnSpc>
+              <a:spcAft>
+                <a:spcPts val="1200"/>
               </a:spcAft>
               <a:buNone/>
             </a:pPr>
             <a:r>
-              <a:rPr lang="en-US" sz="2200" dirty="0">
+              <a:rPr lang="en-US" sz="1800" dirty="0">
                 <a:solidFill>
                   <a:srgbClr val="FFFFFF"/>
                 </a:solidFill>
@@ -2002,9 +2002,9 @@
                 <a:ea typeface="Arial" pitchFamily="34" charset="-122"/>
                 <a:cs typeface="Arial" pitchFamily="34" charset="-120"/>
               </a:rPr>
-              <a:t>Just as Mark's custom system gets complex, new purpose-built tools launch that do 90% of what his system does at 10% of the effort.</a:t>
-            </a:r>
-            <a:endParaRPr lang="en-US" sz="2200" dirty="0"/>
+              <a:t>The landscape is evolving on every front — simultaneously:</a:t>
+            </a:r>
+            <a:endParaRPr lang="en-US" sz="1800" dirty="0"/>
           </a:p>
         </p:txBody>
       </p:sp>
@@ -2016,8 +2016,8 @@
         </p:nvSpPr>
         <p:spPr>
           <a:xfrm>
-            <a:off x="634901" y="2960638"/>
-            <a:ext cx="8031682" cy="837902"/>
+            <a:off x="634901" y="2146548"/>
+            <a:ext cx="7874198" cy="1447205"/>
           </a:xfrm>
           <a:prstGeom prst="rect">
             <a:avLst/>
@@ -2026,30 +2026,139 @@
           <a:ln/>
         </p:spPr>
         <p:txBody>
-          <a:bodyPr wrap="square" lIns="0" tIns="0" rIns="0" bIns="0" rtlCol="0" anchor="t"/>
-          <a:lstStyle/>
-          <a:p>
+          <a:bodyPr wrap="square" lIns="190500" tIns="0" rIns="0" bIns="0" rtlCol="0" anchor="t"/>
+          <a:lstStyle/>
+          <a:p>
+            <a:pPr algn="l" marL="190500" indent="-190500">
+              <a:lnSpc>
+                <a:spcPts val="2400"/>
+              </a:lnSpc>
+              <a:spcAft>
+                <a:spcPts val="600"/>
+              </a:spcAft>
+              <a:buSzPct val="100000"/>
+              <a:buChar char="•"/>
+            </a:pPr>
+            <a:r>
+              <a:rPr lang="en-US" sz="1600" b="1" dirty="0">
+                <a:solidFill>
+                  <a:srgbClr val="B8C0CC"/>
+                </a:solidFill>
+                <a:latin typeface="Arial" pitchFamily="34" charset="0"/>
+                <a:ea typeface="Arial" pitchFamily="34" charset="-122"/>
+                <a:cs typeface="Arial" pitchFamily="34" charset="-120"/>
+              </a:rPr>
+              <a:t>Models</a:t>
+            </a:r>
             <a:pPr algn="l" indent="0" marL="0">
               <a:lnSpc>
-                <a:spcPts val="3300"/>
-              </a:lnSpc>
-              <a:spcAft>
-                <a:spcPts val="1800"/>
+                <a:spcPts val="2400"/>
+              </a:lnSpc>
+              <a:spcAft>
+                <a:spcPts val="600"/>
               </a:spcAft>
               <a:buNone/>
             </a:pPr>
             <a:r>
-              <a:rPr lang="en-US" sz="2200" dirty="0">
-                <a:solidFill>
-                  <a:srgbClr val="FFFFFF"/>
-                </a:solidFill>
-                <a:latin typeface="Arial" pitchFamily="34" charset="0"/>
-                <a:ea typeface="Arial" pitchFamily="34" charset="-122"/>
-                <a:cs typeface="Arial" pitchFamily="34" charset="-120"/>
-              </a:rPr>
-              <a:t>Then the platforms themselves add built-in features that make even those tools partially obsolete.</a:t>
-            </a:r>
-            <a:endParaRPr lang="en-US" sz="2200" dirty="0"/>
+              <a:rPr lang="en-US" sz="1600" dirty="0">
+                <a:solidFill>
+                  <a:srgbClr val="B8C0CC"/>
+                </a:solidFill>
+                <a:latin typeface="Arial" pitchFamily="34" charset="0"/>
+                <a:ea typeface="Arial" pitchFamily="34" charset="-122"/>
+                <a:cs typeface="Arial" pitchFamily="34" charset="-120"/>
+              </a:rPr>
+              <a:t> improve and launch every week — each one more capable than the last</a:t>
+            </a:r>
+            <a:endParaRPr lang="en-US" sz="1600" dirty="0"/>
+          </a:p>
+          <a:p>
+            <a:pPr algn="l" marL="190500" indent="-190500">
+              <a:lnSpc>
+                <a:spcPts val="2400"/>
+              </a:lnSpc>
+              <a:spcAft>
+                <a:spcPts val="600"/>
+              </a:spcAft>
+              <a:buSzPct val="100000"/>
+              <a:buChar char="•"/>
+            </a:pPr>
+            <a:r>
+              <a:rPr lang="en-US" sz="1600" b="1" dirty="0">
+                <a:solidFill>
+                  <a:srgbClr val="B8C0CC"/>
+                </a:solidFill>
+                <a:latin typeface="Arial" pitchFamily="34" charset="0"/>
+                <a:ea typeface="Arial" pitchFamily="34" charset="-122"/>
+                <a:cs typeface="Arial" pitchFamily="34" charset="-120"/>
+              </a:rPr>
+              <a:t>AI developer tools</a:t>
+            </a:r>
+            <a:pPr algn="l" indent="0" marL="0">
+              <a:lnSpc>
+                <a:spcPts val="2400"/>
+              </a:lnSpc>
+              <a:spcAft>
+                <a:spcPts val="600"/>
+              </a:spcAft>
+              <a:buNone/>
+            </a:pPr>
+            <a:r>
+              <a:rPr lang="en-US" sz="1600" dirty="0">
+                <a:solidFill>
+                  <a:srgbClr val="B8C0CC"/>
+                </a:solidFill>
+                <a:latin typeface="Arial" pitchFamily="34" charset="0"/>
+                <a:ea typeface="Arial" pitchFamily="34" charset="-122"/>
+                <a:cs typeface="Arial" pitchFamily="34" charset="-120"/>
+              </a:rPr>
+              <a:t> ship new features and experimental capabilities constantly</a:t>
+            </a:r>
+            <a:endParaRPr lang="en-US" sz="1600" dirty="0"/>
+          </a:p>
+          <a:p>
+            <a:pPr algn="l" marL="190500" indent="-190500">
+              <a:lnSpc>
+                <a:spcPts val="2400"/>
+              </a:lnSpc>
+              <a:spcAft>
+                <a:spcPts val="600"/>
+              </a:spcAft>
+              <a:buSzPct val="100000"/>
+              <a:buChar char="•"/>
+            </a:pPr>
+            <a:r>
+              <a:rPr lang="en-US" sz="1600" b="1" dirty="0">
+                <a:solidFill>
+                  <a:srgbClr val="B8C0CC"/>
+                </a:solidFill>
+                <a:latin typeface="Arial" pitchFamily="34" charset="0"/>
+                <a:ea typeface="Arial" pitchFamily="34" charset="-122"/>
+                <a:cs typeface="Arial" pitchFamily="34" charset="-120"/>
+              </a:rPr>
+              <a:t>Agentic frameworks</a:t>
+            </a:r>
+            <a:pPr algn="l" indent="0" marL="0">
+              <a:lnSpc>
+                <a:spcPts val="2400"/>
+              </a:lnSpc>
+              <a:spcAft>
+                <a:spcPts val="600"/>
+              </a:spcAft>
+              <a:buNone/>
+            </a:pPr>
+            <a:r>
+              <a:rPr lang="en-US" sz="1600" dirty="0">
+                <a:solidFill>
+                  <a:srgbClr val="B8C0CC"/>
+                </a:solidFill>
+                <a:latin typeface="Arial" pitchFamily="34" charset="0"/>
+                <a:ea typeface="Arial" pitchFamily="34" charset="-122"/>
+                <a:cs typeface="Arial" pitchFamily="34" charset="-120"/>
+              </a:rPr>
+              <a:t> emerge that handle orchestration, memory, and multi-agent coordination out of the box</a:t>
+            </a:r>
+            <a:endParaRPr lang="en-US" sz="1600" dirty="0"/>
           </a:p>
         </p:txBody>
       </p:sp>
@@ -2061,8 +2170,8 @@
         </p:nvSpPr>
         <p:spPr>
           <a:xfrm>
-            <a:off x="634901" y="4027140"/>
-            <a:ext cx="4465942" cy="418951"/>
+            <a:off x="634901" y="3746153"/>
+            <a:ext cx="3614621" cy="319980"/>
           </a:xfrm>
           <a:prstGeom prst="rect">
             <a:avLst/>
@@ -2076,15 +2185,15 @@
           <a:p>
             <a:pPr algn="l" indent="0" marL="0">
               <a:lnSpc>
-                <a:spcPts val="3300"/>
-              </a:lnSpc>
-              <a:spcAft>
-                <a:spcPts val="1800"/>
+                <a:spcPts val="2520"/>
+              </a:lnSpc>
+              <a:spcAft>
+                <a:spcPts val="1200"/>
               </a:spcAft>
               <a:buNone/>
             </a:pPr>
             <a:r>
-              <a:rPr lang="en-US" sz="2200" b="1" dirty="0">
+              <a:rPr lang="en-US" sz="1800" b="1" dirty="0">
                 <a:solidFill>
                   <a:srgbClr val="5EA8A7"/>
                 </a:solidFill>
@@ -2092,9 +2201,9 @@
                 <a:ea typeface="Arial" pitchFamily="34" charset="-122"/>
                 <a:cs typeface="Arial" pitchFamily="34" charset="-120"/>
               </a:rPr>
-              <a:t>The pace of change is relentless.</a:t>
-            </a:r>
-            <a:endParaRPr lang="en-US" sz="2200" dirty="0"/>
+              <a:t>The ground never stops moving.</a:t>
+            </a:r>
+            <a:endParaRPr lang="en-US" sz="1800" dirty="0"/>
           </a:p>
         </p:txBody>
       </p:sp>
@@ -2138,8 +2247,8 @@
         </p:nvSpPr>
         <p:spPr>
           <a:xfrm>
-            <a:off x="634901" y="506909"/>
-            <a:ext cx="3610067" cy="561975"/>
+            <a:off x="634901" y="875407"/>
+            <a:ext cx="8031682" cy="990600"/>
           </a:xfrm>
           <a:prstGeom prst="rect">
             <a:avLst/>
@@ -2153,12 +2262,12 @@
           <a:p>
             <a:pPr algn="l" indent="0" marL="0">
               <a:spcAft>
-                <a:spcPts val="3500"/>
+                <a:spcPts val="2000"/>
               </a:spcAft>
               <a:buNone/>
             </a:pPr>
             <a:r>
-              <a:rPr lang="en-US" sz="3800" b="1" dirty="0">
+              <a:rPr lang="en-US" sz="3400" b="1" dirty="0">
                 <a:solidFill>
                   <a:srgbClr val="5EA8A7"/>
                 </a:solidFill>
@@ -2166,9 +2275,9 @@
                 <a:ea typeface="Arial" pitchFamily="34" charset="-122"/>
                 <a:cs typeface="Arial" pitchFamily="34" charset="-120"/>
               </a:rPr>
-              <a:t>The Realization</a:t>
-            </a:r>
-            <a:endParaRPr lang="en-US" sz="3800" dirty="0"/>
+              <a:t>Process Over Tools — But Stay Nimble</a:t>
+            </a:r>
+            <a:endParaRPr lang="en-US" sz="3400" dirty="0"/>
           </a:p>
         </p:txBody>
       </p:sp>
@@ -2180,8 +2289,8 @@
         </p:nvSpPr>
         <p:spPr>
           <a:xfrm>
-            <a:off x="634901" y="1513284"/>
-            <a:ext cx="6304145" cy="418951"/>
+            <a:off x="634901" y="2119908"/>
+            <a:ext cx="6551283" cy="319980"/>
           </a:xfrm>
           <a:prstGeom prst="rect">
             <a:avLst/>
@@ -2195,15 +2304,15 @@
           <a:p>
             <a:pPr algn="l" indent="0" marL="0">
               <a:lnSpc>
-                <a:spcPts val="3300"/>
-              </a:lnSpc>
-              <a:spcAft>
-                <a:spcPts val="1800"/>
+                <a:spcPts val="2520"/>
+              </a:lnSpc>
+              <a:spcAft>
+                <a:spcPts val="1200"/>
               </a:spcAft>
               <a:buNone/>
             </a:pPr>
             <a:r>
-              <a:rPr lang="en-US" sz="2200" dirty="0">
+              <a:rPr lang="en-US" sz="1800" dirty="0">
                 <a:solidFill>
                   <a:srgbClr val="FFFFFF"/>
                 </a:solidFill>
@@ -2211,9 +2320,49 @@
                 <a:ea typeface="Arial" pitchFamily="34" charset="-122"/>
                 <a:cs typeface="Arial" pitchFamily="34" charset="-120"/>
               </a:rPr>
-              <a:t>Mark stops building tools and focuses on process.</a:t>
-            </a:r>
-            <a:endParaRPr lang="en-US" sz="2200" dirty="0"/>
+              <a:t>Mark's breakthrough: focus on the </a:t>
+            </a:r>
+            <a:pPr algn="l" indent="0" marL="0">
+              <a:lnSpc>
+                <a:spcPts val="2520"/>
+              </a:lnSpc>
+              <a:spcAft>
+                <a:spcPts val="1200"/>
+              </a:spcAft>
+              <a:buNone/>
+            </a:pPr>
+            <a:r>
+              <a:rPr lang="en-US" sz="1800" b="1" dirty="0">
+                <a:solidFill>
+                  <a:srgbClr val="FFFFFF"/>
+                </a:solidFill>
+                <a:latin typeface="Arial" pitchFamily="34" charset="0"/>
+                <a:ea typeface="Arial" pitchFamily="34" charset="-122"/>
+                <a:cs typeface="Arial" pitchFamily="34" charset="-120"/>
+              </a:rPr>
+              <a:t>process</a:t>
+            </a:r>
+            <a:pPr algn="l" indent="0" marL="0">
+              <a:lnSpc>
+                <a:spcPts val="2520"/>
+              </a:lnSpc>
+              <a:spcAft>
+                <a:spcPts val="1200"/>
+              </a:spcAft>
+              <a:buNone/>
+            </a:pPr>
+            <a:r>
+              <a:rPr lang="en-US" sz="1800" dirty="0">
+                <a:solidFill>
+                  <a:srgbClr val="FFFFFF"/>
+                </a:solidFill>
+                <a:latin typeface="Arial" pitchFamily="34" charset="0"/>
+                <a:ea typeface="Arial" pitchFamily="34" charset="-122"/>
+                <a:cs typeface="Arial" pitchFamily="34" charset="-120"/>
+              </a:rPr>
+              <a:t>, not any single tool.</a:t>
+            </a:r>
+            <a:endParaRPr lang="en-US" sz="1800" dirty="0"/>
           </a:p>
         </p:txBody>
       </p:sp>
@@ -2225,8 +2374,8 @@
         </p:nvSpPr>
         <p:spPr>
           <a:xfrm>
-            <a:off x="634901" y="2160836"/>
-            <a:ext cx="6960397" cy="418951"/>
+            <a:off x="634901" y="2592288"/>
+            <a:ext cx="7743974" cy="1523405"/>
           </a:xfrm>
           <a:prstGeom prst="rect">
             <a:avLst/>
@@ -2235,128 +2384,163 @@
           <a:ln/>
         </p:spPr>
         <p:txBody>
-          <a:bodyPr wrap="square" lIns="0" tIns="0" rIns="0" bIns="0" rtlCol="0" anchor="t"/>
-          <a:lstStyle/>
-          <a:p>
+          <a:bodyPr wrap="square" lIns="190500" tIns="0" rIns="0" bIns="0" rtlCol="0" anchor="t"/>
+          <a:lstStyle/>
+          <a:p>
+            <a:pPr algn="l" marL="190500" indent="-190500">
+              <a:lnSpc>
+                <a:spcPts val="2400"/>
+              </a:lnSpc>
+              <a:spcAft>
+                <a:spcPts val="600"/>
+              </a:spcAft>
+              <a:buSzPct val="100000"/>
+              <a:buChar char="•"/>
+            </a:pPr>
+            <a:r>
+              <a:rPr lang="en-US" sz="1600" dirty="0">
+                <a:solidFill>
+                  <a:srgbClr val="B8C0CC"/>
+                </a:solidFill>
+                <a:latin typeface="Arial" pitchFamily="34" charset="0"/>
+                <a:ea typeface="Arial" pitchFamily="34" charset="-122"/>
+                <a:cs typeface="Arial" pitchFamily="34" charset="-120"/>
+              </a:rPr>
+              <a:t>The core loop doesn't change: </a:t>
+            </a:r>
             <a:pPr algn="l" indent="0" marL="0">
               <a:lnSpc>
-                <a:spcPts val="3300"/>
-              </a:lnSpc>
-              <a:spcAft>
-                <a:spcPts val="1800"/>
+                <a:spcPts val="2400"/>
+              </a:lnSpc>
+              <a:spcAft>
+                <a:spcPts val="600"/>
               </a:spcAft>
               <a:buNone/>
             </a:pPr>
             <a:r>
-              <a:rPr lang="en-US" sz="2200" dirty="0">
-                <a:solidFill>
-                  <a:srgbClr val="FFFFFF"/>
-                </a:solidFill>
-                <a:latin typeface="Arial" pitchFamily="34" charset="0"/>
-                <a:ea typeface="Arial" pitchFamily="34" charset="-122"/>
-                <a:cs typeface="Arial" pitchFamily="34" charset="-120"/>
-              </a:rPr>
-              <a:t>The tools will change every month. What won't change:</a:t>
-            </a:r>
-            <a:endParaRPr lang="en-US" sz="2200" dirty="0"/>
-          </a:p>
-        </p:txBody>
-      </p:sp>
-      <p:sp>
-        <p:nvSpPr>
-          <p:cNvPr id="5" name="Text 3"/>
-          <p:cNvSpPr/>
-          <p:nvPr/>
-        </p:nvSpPr>
-        <p:spPr>
-          <a:xfrm>
-            <a:off x="634901" y="3062288"/>
-            <a:ext cx="7874198" cy="1574304"/>
-          </a:xfrm>
-          <a:prstGeom prst="rect">
-            <a:avLst/>
-          </a:prstGeom>
-          <a:solidFill>
-            <a:srgbClr val="2A2A3E"/>
-          </a:solidFill>
-          <a:ln/>
-        </p:spPr>
-        <p:txBody>
-          <a:bodyPr wrap="square" rtlCol="0" anchor="ctr"/>
-          <a:lstStyle/>
-          <a:p>
-            <a:pPr indent="0" marL="0">
+              <a:rPr lang="en-US" sz="1600" b="1" dirty="0">
+                <a:solidFill>
+                  <a:srgbClr val="B8C0CC"/>
+                </a:solidFill>
+                <a:latin typeface="Arial" pitchFamily="34" charset="0"/>
+                <a:ea typeface="Arial" pitchFamily="34" charset="-122"/>
+                <a:cs typeface="Arial" pitchFamily="34" charset="-120"/>
+              </a:rPr>
+              <a:t>Plan. Delegate. Review.</a:t>
+            </a:r>
+            <a:endParaRPr lang="en-US" sz="1600" dirty="0"/>
+          </a:p>
+          <a:p>
+            <a:pPr algn="l" marL="190500" indent="-190500">
+              <a:lnSpc>
+                <a:spcPts val="2400"/>
+              </a:lnSpc>
+              <a:spcAft>
+                <a:spcPts val="600"/>
+              </a:spcAft>
+              <a:buSzPct val="100000"/>
+              <a:buChar char="•"/>
+            </a:pPr>
+            <a:r>
+              <a:rPr lang="en-US" sz="1600" dirty="0">
+                <a:solidFill>
+                  <a:srgbClr val="B8C0CC"/>
+                </a:solidFill>
+                <a:latin typeface="Arial" pitchFamily="34" charset="0"/>
+                <a:ea typeface="Arial" pitchFamily="34" charset="-122"/>
+                <a:cs typeface="Arial" pitchFamily="34" charset="-120"/>
+              </a:rPr>
+              <a:t>Don't get married to any specific tool — they're all evolving too fast</a:t>
+            </a:r>
+            <a:endParaRPr lang="en-US" sz="1600" dirty="0"/>
+          </a:p>
+          <a:p>
+            <a:pPr algn="l" marL="190500" indent="-190500">
+              <a:lnSpc>
+                <a:spcPts val="2400"/>
+              </a:lnSpc>
+              <a:spcAft>
+                <a:spcPts val="600"/>
+              </a:spcAft>
+              <a:buSzPct val="100000"/>
+              <a:buChar char="•"/>
+            </a:pPr>
+            <a:r>
+              <a:rPr lang="en-US" sz="1600" dirty="0">
+                <a:solidFill>
+                  <a:srgbClr val="B8C0CC"/>
+                </a:solidFill>
+                <a:latin typeface="Arial" pitchFamily="34" charset="0"/>
+                <a:ea typeface="Arial" pitchFamily="34" charset="-122"/>
+                <a:cs typeface="Arial" pitchFamily="34" charset="-120"/>
+              </a:rPr>
+              <a:t>Adopt and experiment with new AI technology as it arrives</a:t>
+            </a:r>
+            <a:endParaRPr lang="en-US" sz="1600" dirty="0"/>
+          </a:p>
+          <a:p>
+            <a:pPr algn="l" marL="190500" indent="-190500">
+              <a:lnSpc>
+                <a:spcPts val="2400"/>
+              </a:lnSpc>
+              <a:spcAft>
+                <a:spcPts val="600"/>
+              </a:spcAft>
+              <a:buSzPct val="100000"/>
+              <a:buChar char="•"/>
+            </a:pPr>
+            <a:r>
+              <a:rPr lang="en-US" sz="1600" dirty="0">
+                <a:solidFill>
+                  <a:srgbClr val="B8C0CC"/>
+                </a:solidFill>
+                <a:latin typeface="Arial" pitchFamily="34" charset="0"/>
+                <a:ea typeface="Arial" pitchFamily="34" charset="-122"/>
+                <a:cs typeface="Arial" pitchFamily="34" charset="-120"/>
+              </a:rPr>
+              <a:t>Build fluency in the </a:t>
+            </a:r>
+            <a:pPr algn="l" indent="0" marL="0">
+              <a:lnSpc>
+                <a:spcPts val="2400"/>
+              </a:lnSpc>
+              <a:spcAft>
+                <a:spcPts val="600"/>
+              </a:spcAft>
               <a:buNone/>
             </a:pPr>
-            <a:endParaRPr lang="en-US" dirty="0"/>
-          </a:p>
-        </p:txBody>
-      </p:sp>
-      <p:sp>
-        <p:nvSpPr>
-          <p:cNvPr id="6" name="Shape 4"/>
-          <p:cNvSpPr/>
-          <p:nvPr/>
-        </p:nvSpPr>
-        <p:spPr>
-          <a:xfrm>
-            <a:off x="663476" y="3062288"/>
-            <a:ext cx="0" cy="1574304"/>
-          </a:xfrm>
-          <a:prstGeom prst="line">
-            <a:avLst/>
-          </a:prstGeom>
-          <a:noFill/>
-          <a:ln w="57150">
-            <a:solidFill>
-              <a:srgbClr val="5EA8A7"/>
-            </a:solidFill>
-            <a:prstDash val="solid"/>
-          </a:ln>
-        </p:spPr>
-      </p:sp>
-      <p:sp>
-        <p:nvSpPr>
-          <p:cNvPr id="7" name="Text 5"/>
-          <p:cNvSpPr/>
-          <p:nvPr/>
-        </p:nvSpPr>
-        <p:spPr>
-          <a:xfrm>
-            <a:off x="945952" y="3316188"/>
-            <a:ext cx="7455432" cy="837902"/>
-          </a:xfrm>
-          <a:prstGeom prst="rect">
-            <a:avLst/>
-          </a:prstGeom>
-          <a:noFill/>
-          <a:ln/>
-        </p:spPr>
-        <p:txBody>
-          <a:bodyPr wrap="square" lIns="0" tIns="0" rIns="0" bIns="0" rtlCol="0" anchor="t"/>
-          <a:lstStyle/>
-          <a:p>
+            <a:r>
+              <a:rPr lang="en-US" sz="1600" b="1" dirty="0">
+                <a:solidFill>
+                  <a:srgbClr val="B8C0CC"/>
+                </a:solidFill>
+                <a:latin typeface="Arial" pitchFamily="34" charset="0"/>
+                <a:ea typeface="Arial" pitchFamily="34" charset="-122"/>
+                <a:cs typeface="Arial" pitchFamily="34" charset="-120"/>
+              </a:rPr>
+              <a:t>pattern</a:t>
+            </a:r>
             <a:pPr algn="l" indent="0" marL="0">
               <a:lnSpc>
-                <a:spcPts val="3300"/>
-              </a:lnSpc>
-              <a:spcAft>
-                <a:spcPts val="1800"/>
+                <a:spcPts val="2400"/>
+              </a:lnSpc>
+              <a:spcAft>
+                <a:spcPts val="600"/>
               </a:spcAft>
               <a:buNone/>
             </a:pPr>
             <a:r>
-              <a:rPr lang="en-US" sz="2200" dirty="0">
-                <a:solidFill>
-                  <a:srgbClr val="FFFFFF"/>
-                </a:solidFill>
-                <a:latin typeface="Arial" pitchFamily="34" charset="0"/>
-                <a:ea typeface="Arial" pitchFamily="34" charset="-122"/>
-                <a:cs typeface="Arial" pitchFamily="34" charset="-120"/>
-              </a:rPr>
-              <a:t>Clear planning. Effective delegation to AI agents. Thorough review of AI-produced work.</a:t>
-            </a:r>
-            <a:endParaRPr lang="en-US" sz="2200" dirty="0"/>
+              <a:rPr lang="en-US" sz="1600" dirty="0">
+                <a:solidFill>
+                  <a:srgbClr val="B8C0CC"/>
+                </a:solidFill>
+                <a:latin typeface="Arial" pitchFamily="34" charset="0"/>
+                <a:ea typeface="Arial" pitchFamily="34" charset="-122"/>
+                <a:cs typeface="Arial" pitchFamily="34" charset="-120"/>
+              </a:rPr>
+              <a:t> of working with AI — the specific tools are replaceable</a:t>
+            </a:r>
+            <a:endParaRPr lang="en-US" sz="1600" dirty="0"/>
           </a:p>
         </p:txBody>
       </p:sp>

--- a/docs/presentations/marks-journey-short.pptx
+++ b/docs/presentations/marks-journey-short.pptx
@@ -2247,7 +2247,7 @@
         </p:nvSpPr>
         <p:spPr>
           <a:xfrm>
-            <a:off x="634901" y="875407"/>
+            <a:off x="634901" y="532656"/>
             <a:ext cx="8031682" cy="990600"/>
           </a:xfrm>
           <a:prstGeom prst="rect">
@@ -2289,7 +2289,7 @@
         </p:nvSpPr>
         <p:spPr>
           <a:xfrm>
-            <a:off x="634901" y="2119908"/>
+            <a:off x="634901" y="1777157"/>
             <a:ext cx="6551283" cy="319980"/>
           </a:xfrm>
           <a:prstGeom prst="rect">
@@ -2374,8 +2374,8 @@
         </p:nvSpPr>
         <p:spPr>
           <a:xfrm>
-            <a:off x="634901" y="2592288"/>
-            <a:ext cx="7743974" cy="1523405"/>
+            <a:off x="634901" y="2249537"/>
+            <a:ext cx="7874198" cy="2208907"/>
           </a:xfrm>
           <a:prstGeom prst="rect">
             <a:avLst/>
@@ -2539,6 +2539,70 @@
                 <a:cs typeface="Arial" pitchFamily="34" charset="-120"/>
               </a:rPr>
               <a:t> of working with AI — the specific tools are replaceable</a:t>
+            </a:r>
+            <a:endParaRPr lang="en-US" sz="1600" dirty="0"/>
+          </a:p>
+          <a:p>
+            <a:pPr algn="l" marL="190500" indent="-190500">
+              <a:lnSpc>
+                <a:spcPts val="2400"/>
+              </a:lnSpc>
+              <a:spcAft>
+                <a:spcPts val="600"/>
+              </a:spcAft>
+              <a:buSzPct val="100000"/>
+              <a:buChar char="•"/>
+            </a:pPr>
+            <a:r>
+              <a:rPr lang="en-US" sz="1600" dirty="0">
+                <a:solidFill>
+                  <a:srgbClr val="B8C0CC"/>
+                </a:solidFill>
+                <a:latin typeface="Arial" pitchFamily="34" charset="0"/>
+                <a:ea typeface="Arial" pitchFamily="34" charset="-122"/>
+                <a:cs typeface="Arial" pitchFamily="34" charset="-120"/>
+              </a:rPr>
+              <a:t>Automate your workflow so you can run </a:t>
+            </a:r>
+            <a:pPr algn="l" indent="0" marL="0">
+              <a:lnSpc>
+                <a:spcPts val="2400"/>
+              </a:lnSpc>
+              <a:spcAft>
+                <a:spcPts val="600"/>
+              </a:spcAft>
+              <a:buNone/>
+            </a:pPr>
+            <a:r>
+              <a:rPr lang="en-US" sz="1600" b="1" dirty="0">
+                <a:solidFill>
+                  <a:srgbClr val="B8C0CC"/>
+                </a:solidFill>
+                <a:latin typeface="Arial" pitchFamily="34" charset="0"/>
+                <a:ea typeface="Arial" pitchFamily="34" charset="-122"/>
+                <a:cs typeface="Arial" pitchFamily="34" charset="-120"/>
+              </a:rPr>
+              <a:t>more parallel work streams</a:t>
+            </a:r>
+            <a:pPr algn="l" indent="0" marL="0">
+              <a:lnSpc>
+                <a:spcPts val="2400"/>
+              </a:lnSpc>
+              <a:spcAft>
+                <a:spcPts val="600"/>
+              </a:spcAft>
+              <a:buNone/>
+            </a:pPr>
+            <a:r>
+              <a:rPr lang="en-US" sz="1600" dirty="0">
+                <a:solidFill>
+                  <a:srgbClr val="B8C0CC"/>
+                </a:solidFill>
+                <a:latin typeface="Arial" pitchFamily="34" charset="0"/>
+                <a:ea typeface="Arial" pitchFamily="34" charset="-122"/>
+                <a:cs typeface="Arial" pitchFamily="34" charset="-120"/>
+              </a:rPr>
+              <a:t> than ever before</a:t>
             </a:r>
             <a:endParaRPr lang="en-US" sz="1600" dirty="0"/>
           </a:p>
@@ -2584,7 +2648,7 @@
         </p:nvSpPr>
         <p:spPr>
           <a:xfrm>
-            <a:off x="634901" y="444401"/>
+            <a:off x="634901" y="253901"/>
             <a:ext cx="4540478" cy="561975"/>
           </a:xfrm>
           <a:prstGeom prst="rect">
@@ -2626,8 +2690,8 @@
         </p:nvSpPr>
         <p:spPr>
           <a:xfrm>
-            <a:off x="634901" y="1450777"/>
-            <a:ext cx="8031682" cy="762000"/>
+            <a:off x="634901" y="1260277"/>
+            <a:ext cx="8031682" cy="1143000"/>
           </a:xfrm>
           <a:prstGeom prst="rect">
             <a:avLst/>
@@ -2657,7 +2721,7 @@
                 <a:ea typeface="Arial" pitchFamily="34" charset="-122"/>
                 <a:cs typeface="Arial" pitchFamily="34" charset="-120"/>
               </a:rPr>
-              <a:t>The modern developer plans in larger chunks, delegates to AI teams, reviews in parallel, and gently nudges agents when they get stuck.</a:t>
+              <a:t>The modern developer delegates to agents: resolve merge conflicts, create work items, triage issues, submit PRs, review PRs — even create PowerPoint slides.</a:t>
             </a:r>
             <a:endParaRPr lang="en-US" sz="2000" dirty="0"/>
           </a:p>
@@ -2671,8 +2735,8 @@
         </p:nvSpPr>
         <p:spPr>
           <a:xfrm>
-            <a:off x="634901" y="2720727"/>
-            <a:ext cx="6697775" cy="365671"/>
+            <a:off x="634901" y="2911227"/>
+            <a:ext cx="5033084" cy="365671"/>
           </a:xfrm>
           <a:prstGeom prst="rect">
             <a:avLst/>
@@ -2697,7 +2761,7 @@
               <a:buNone/>
             </a:pPr>
             <a:r>
-              <a:rPr lang="en-US" sz="1800" dirty="0">
+              <a:rPr lang="en-US" sz="1800" i="1" dirty="0">
                 <a:solidFill>
                   <a:srgbClr val="B8C0CC"/>
                 </a:solidFill>
@@ -2705,7 +2769,7 @@
                 <a:ea typeface="Arial" pitchFamily="34" charset="-122"/>
                 <a:cs typeface="Arial" pitchFamily="34" charset="-120"/>
               </a:rPr>
-              <a:t>Traditional developer tools don't cut it in this highly parallel world.</a:t>
+              <a:t>(Yes — this presentation was generated with AI.)</a:t>
             </a:r>
             <a:endParaRPr lang="en-US" sz="1800" dirty="0"/>
           </a:p>
@@ -2719,7 +2783,7 @@
         </p:nvSpPr>
         <p:spPr>
           <a:xfrm>
-            <a:off x="634901" y="3632448"/>
+            <a:off x="634901" y="3822948"/>
             <a:ext cx="8031682" cy="837902"/>
           </a:xfrm>
           <a:prstGeom prst="rect">

--- a/docs/presentations/marks-journey-short.pptx
+++ b/docs/presentations/marks-journey-short.pptx
@@ -1929,7 +1929,7 @@
         </p:nvSpPr>
         <p:spPr>
           <a:xfrm>
-            <a:off x="634901" y="924967"/>
+            <a:off x="634901" y="688777"/>
             <a:ext cx="5603111" cy="495300"/>
           </a:xfrm>
           <a:prstGeom prst="rect">
@@ -1971,7 +1971,7 @@
         </p:nvSpPr>
         <p:spPr>
           <a:xfrm>
-            <a:off x="634901" y="1674168"/>
+            <a:off x="634901" y="1437977"/>
             <a:ext cx="6143384" cy="319980"/>
           </a:xfrm>
           <a:prstGeom prst="rect">
@@ -2016,7 +2016,7 @@
         </p:nvSpPr>
         <p:spPr>
           <a:xfrm>
-            <a:off x="634901" y="2146548"/>
+            <a:off x="634901" y="1910358"/>
             <a:ext cx="7874198" cy="1447205"/>
           </a:xfrm>
           <a:prstGeom prst="rect">
@@ -2170,7 +2170,92 @@
         </p:nvSpPr>
         <p:spPr>
           <a:xfrm>
-            <a:off x="634901" y="3746153"/>
+            <a:off x="634901" y="3509963"/>
+            <a:ext cx="7594485" cy="319980"/>
+          </a:xfrm>
+          <a:prstGeom prst="rect">
+            <a:avLst/>
+          </a:prstGeom>
+          <a:noFill/>
+          <a:ln/>
+        </p:spPr>
+        <p:txBody>
+          <a:bodyPr wrap="square" lIns="0" tIns="0" rIns="0" bIns="0" rtlCol="0" anchor="t"/>
+          <a:lstStyle/>
+          <a:p>
+            <a:pPr algn="l" indent="0" marL="0">
+              <a:lnSpc>
+                <a:spcPts val="2520"/>
+              </a:lnSpc>
+              <a:spcAft>
+                <a:spcPts val="1200"/>
+              </a:spcAft>
+              <a:buNone/>
+            </a:pPr>
+            <a:r>
+              <a:rPr lang="en-US" sz="1800" dirty="0">
+                <a:solidFill>
+                  <a:srgbClr val="FFFFFF"/>
+                </a:solidFill>
+                <a:latin typeface="Arial" pitchFamily="34" charset="0"/>
+                <a:ea typeface="Arial" pitchFamily="34" charset="-122"/>
+                <a:cs typeface="Arial" pitchFamily="34" charset="-120"/>
+              </a:rPr>
+              <a:t>Especially over the last few months, these improvements have </a:t>
+            </a:r>
+            <a:pPr algn="l" indent="0" marL="0">
+              <a:lnSpc>
+                <a:spcPts val="2520"/>
+              </a:lnSpc>
+              <a:spcAft>
+                <a:spcPts val="1200"/>
+              </a:spcAft>
+              <a:buNone/>
+            </a:pPr>
+            <a:r>
+              <a:rPr lang="en-US" sz="1800" b="1" dirty="0">
+                <a:solidFill>
+                  <a:srgbClr val="FFFFFF"/>
+                </a:solidFill>
+                <a:latin typeface="Arial" pitchFamily="34" charset="0"/>
+                <a:ea typeface="Arial" pitchFamily="34" charset="-122"/>
+                <a:cs typeface="Arial" pitchFamily="34" charset="-120"/>
+              </a:rPr>
+              <a:t>exploded</a:t>
+            </a:r>
+            <a:pPr algn="l" indent="0" marL="0">
+              <a:lnSpc>
+                <a:spcPts val="2520"/>
+              </a:lnSpc>
+              <a:spcAft>
+                <a:spcPts val="1200"/>
+              </a:spcAft>
+              <a:buNone/>
+            </a:pPr>
+            <a:r>
+              <a:rPr lang="en-US" sz="1800" dirty="0">
+                <a:solidFill>
+                  <a:srgbClr val="FFFFFF"/>
+                </a:solidFill>
+                <a:latin typeface="Arial" pitchFamily="34" charset="0"/>
+                <a:ea typeface="Arial" pitchFamily="34" charset="-122"/>
+                <a:cs typeface="Arial" pitchFamily="34" charset="-120"/>
+              </a:rPr>
+              <a:t>.</a:t>
+            </a:r>
+            <a:endParaRPr lang="en-US" sz="1800" dirty="0"/>
+          </a:p>
+        </p:txBody>
+      </p:sp>
+      <p:sp>
+        <p:nvSpPr>
+          <p:cNvPr id="6" name="Text 4"/>
+          <p:cNvSpPr/>
+          <p:nvPr/>
+        </p:nvSpPr>
+        <p:spPr>
+          <a:xfrm>
+            <a:off x="634901" y="3982343"/>
             <a:ext cx="3614621" cy="319980"/>
           </a:xfrm>
           <a:prstGeom prst="rect">
@@ -2247,8 +2332,8 @@
         </p:nvSpPr>
         <p:spPr>
           <a:xfrm>
-            <a:off x="634901" y="532656"/>
-            <a:ext cx="8031682" cy="990600"/>
+            <a:off x="634901" y="656332"/>
+            <a:ext cx="5677192" cy="495300"/>
           </a:xfrm>
           <a:prstGeom prst="rect">
             <a:avLst/>
@@ -2262,20 +2347,20 @@
           <a:p>
             <a:pPr algn="l" indent="0" marL="0">
               <a:spcAft>
-                <a:spcPts val="2000"/>
+                <a:spcPts val="1600"/>
               </a:spcAft>
               <a:buNone/>
             </a:pPr>
             <a:r>
               <a:rPr lang="en-US" sz="3400" b="1" dirty="0">
                 <a:solidFill>
-                  <a:srgbClr val="5EA8A7"/>
-                </a:solidFill>
-                <a:latin typeface="Arial" pitchFamily="34" charset="0"/>
-                <a:ea typeface="Arial" pitchFamily="34" charset="-122"/>
-                <a:cs typeface="Arial" pitchFamily="34" charset="-120"/>
-              </a:rPr>
-              <a:t>Process Over Tools — But Stay Nimble</a:t>
+                  <a:srgbClr val="FF6B6B"/>
+                </a:solidFill>
+                <a:latin typeface="Arial" pitchFamily="34" charset="0"/>
+                <a:ea typeface="Arial" pitchFamily="34" charset="-122"/>
+                <a:cs typeface="Arial" pitchFamily="34" charset="-120"/>
+              </a:rPr>
+              <a:t>The Productivity Explosion</a:t>
             </a:r>
             <a:endParaRPr lang="en-US" sz="3400" dirty="0"/>
           </a:p>
@@ -2289,8 +2374,8 @@
         </p:nvSpPr>
         <p:spPr>
           <a:xfrm>
-            <a:off x="634901" y="1777157"/>
-            <a:ext cx="6551283" cy="319980"/>
+            <a:off x="634901" y="1354782"/>
+            <a:ext cx="8031682" cy="604540"/>
           </a:xfrm>
           <a:prstGeom prst="rect">
             <a:avLst/>
@@ -2304,15 +2389,15 @@
           <a:p>
             <a:pPr algn="l" indent="0" marL="0">
               <a:lnSpc>
-                <a:spcPts val="2520"/>
-              </a:lnSpc>
-              <a:spcAft>
-                <a:spcPts val="1200"/>
+                <a:spcPts val="2380"/>
+              </a:lnSpc>
+              <a:spcAft>
+                <a:spcPts val="1000"/>
               </a:spcAft>
               <a:buNone/>
             </a:pPr>
             <a:r>
-              <a:rPr lang="en-US" sz="1800" dirty="0">
+              <a:rPr lang="en-US" sz="1700" dirty="0">
                 <a:solidFill>
                   <a:srgbClr val="FFFFFF"/>
                 </a:solidFill>
@@ -2320,49 +2405,9 @@
                 <a:ea typeface="Arial" pitchFamily="34" charset="-122"/>
                 <a:cs typeface="Arial" pitchFamily="34" charset="-120"/>
               </a:rPr>
-              <a:t>Mark's breakthrough: focus on the </a:t>
-            </a:r>
-            <a:pPr algn="l" indent="0" marL="0">
-              <a:lnSpc>
-                <a:spcPts val="2520"/>
-              </a:lnSpc>
-              <a:spcAft>
-                <a:spcPts val="1200"/>
-              </a:spcAft>
-              <a:buNone/>
-            </a:pPr>
-            <a:r>
-              <a:rPr lang="en-US" sz="1800" b="1" dirty="0">
-                <a:solidFill>
-                  <a:srgbClr val="FFFFFF"/>
-                </a:solidFill>
-                <a:latin typeface="Arial" pitchFamily="34" charset="0"/>
-                <a:ea typeface="Arial" pitchFamily="34" charset="-122"/>
-                <a:cs typeface="Arial" pitchFamily="34" charset="-120"/>
-              </a:rPr>
-              <a:t>process</a:t>
-            </a:r>
-            <a:pPr algn="l" indent="0" marL="0">
-              <a:lnSpc>
-                <a:spcPts val="2520"/>
-              </a:lnSpc>
-              <a:spcAft>
-                <a:spcPts val="1200"/>
-              </a:spcAft>
-              <a:buNone/>
-            </a:pPr>
-            <a:r>
-              <a:rPr lang="en-US" sz="1800" dirty="0">
-                <a:solidFill>
-                  <a:srgbClr val="FFFFFF"/>
-                </a:solidFill>
-                <a:latin typeface="Arial" pitchFamily="34" charset="0"/>
-                <a:ea typeface="Arial" pitchFamily="34" charset="-122"/>
-                <a:cs typeface="Arial" pitchFamily="34" charset="-120"/>
-              </a:rPr>
-              <a:t>, not any single tool.</a:t>
-            </a:r>
-            <a:endParaRPr lang="en-US" sz="1800" dirty="0"/>
+              <a:t>Six months ago, AI needed hand-holding. You watched every output, corrected constantly.</a:t>
+            </a:r>
+            <a:endParaRPr lang="en-US" sz="1700" dirty="0"/>
           </a:p>
         </p:txBody>
       </p:sp>
@@ -2374,8 +2419,8 @@
         </p:nvSpPr>
         <p:spPr>
           <a:xfrm>
-            <a:off x="634901" y="2249537"/>
-            <a:ext cx="7874198" cy="2208907"/>
+            <a:off x="634901" y="2086273"/>
+            <a:ext cx="6842900" cy="302270"/>
           </a:xfrm>
           <a:prstGeom prst="rect">
             <a:avLst/>
@@ -2384,21 +2429,86 @@
           <a:ln/>
         </p:spPr>
         <p:txBody>
+          <a:bodyPr wrap="square" lIns="0" tIns="0" rIns="0" bIns="0" rtlCol="0" anchor="t"/>
+          <a:lstStyle/>
+          <a:p>
+            <a:pPr algn="l" indent="0" marL="0">
+              <a:lnSpc>
+                <a:spcPts val="2380"/>
+              </a:lnSpc>
+              <a:spcAft>
+                <a:spcPts val="1000"/>
+              </a:spcAft>
+              <a:buNone/>
+            </a:pPr>
+            <a:r>
+              <a:rPr lang="en-US" sz="1700" b="1" dirty="0">
+                <a:solidFill>
+                  <a:srgbClr val="FFFFFF"/>
+                </a:solidFill>
+                <a:latin typeface="Arial" pitchFamily="34" charset="0"/>
+                <a:ea typeface="Arial" pitchFamily="34" charset="-122"/>
+                <a:cs typeface="Arial" pitchFamily="34" charset="-120"/>
+              </a:rPr>
+              <a:t>That's no longer true.</a:t>
+            </a:r>
+            <a:pPr algn="l" indent="0" marL="0">
+              <a:lnSpc>
+                <a:spcPts val="2380"/>
+              </a:lnSpc>
+              <a:spcAft>
+                <a:spcPts val="1000"/>
+              </a:spcAft>
+              <a:buNone/>
+            </a:pPr>
+            <a:r>
+              <a:rPr lang="en-US" sz="1700" dirty="0">
+                <a:solidFill>
+                  <a:srgbClr val="FFFFFF"/>
+                </a:solidFill>
+                <a:latin typeface="Arial" pitchFamily="34" charset="0"/>
+                <a:ea typeface="Arial" pitchFamily="34" charset="-122"/>
+                <a:cs typeface="Arial" pitchFamily="34" charset="-120"/>
+              </a:rPr>
+              <a:t> Models have gotten dramatically better — fast.</a:t>
+            </a:r>
+            <a:endParaRPr lang="en-US" sz="1700" dirty="0"/>
+          </a:p>
+        </p:txBody>
+      </p:sp>
+      <p:sp>
+        <p:nvSpPr>
+          <p:cNvPr id="5" name="Text 3"/>
+          <p:cNvSpPr/>
+          <p:nvPr/>
+        </p:nvSpPr>
+        <p:spPr>
+          <a:xfrm>
+            <a:off x="634901" y="2515493"/>
+            <a:ext cx="7778948" cy="1047452"/>
+          </a:xfrm>
+          <a:prstGeom prst="rect">
+            <a:avLst/>
+          </a:prstGeom>
+          <a:noFill/>
+          <a:ln/>
+        </p:spPr>
+        <p:txBody>
           <a:bodyPr wrap="square" lIns="190500" tIns="0" rIns="0" bIns="0" rtlCol="0" anchor="t"/>
           <a:lstStyle/>
           <a:p>
             <a:pPr algn="l" marL="190500" indent="-190500">
               <a:lnSpc>
-                <a:spcPts val="2400"/>
-              </a:lnSpc>
-              <a:spcAft>
-                <a:spcPts val="600"/>
+                <a:spcPts val="2250"/>
+              </a:lnSpc>
+              <a:spcAft>
+                <a:spcPts val="500"/>
               </a:spcAft>
               <a:buSzPct val="100000"/>
               <a:buChar char="•"/>
             </a:pPr>
             <a:r>
-              <a:rPr lang="en-US" sz="1600" dirty="0">
+              <a:rPr lang="en-US" sz="1500" dirty="0">
                 <a:solidFill>
                   <a:srgbClr val="B8C0CC"/>
                 </a:solidFill>
@@ -2406,19 +2516,19 @@
                 <a:ea typeface="Arial" pitchFamily="34" charset="-122"/>
                 <a:cs typeface="Arial" pitchFamily="34" charset="-120"/>
               </a:rPr>
-              <a:t>The core loop doesn't change: </a:t>
+              <a:t>Agents can now handle </a:t>
             </a:r>
             <a:pPr algn="l" indent="0" marL="0">
               <a:lnSpc>
-                <a:spcPts val="2400"/>
-              </a:lnSpc>
-              <a:spcAft>
-                <a:spcPts val="600"/>
+                <a:spcPts val="2250"/>
+              </a:lnSpc>
+              <a:spcAft>
+                <a:spcPts val="500"/>
               </a:spcAft>
               <a:buNone/>
             </a:pPr>
             <a:r>
-              <a:rPr lang="en-US" sz="1600" b="1" dirty="0">
+              <a:rPr lang="en-US" sz="1500" b="1" dirty="0">
                 <a:solidFill>
                   <a:srgbClr val="B8C0CC"/>
                 </a:solidFill>
@@ -2426,23 +2536,43 @@
                 <a:ea typeface="Arial" pitchFamily="34" charset="-122"/>
                 <a:cs typeface="Arial" pitchFamily="34" charset="-120"/>
               </a:rPr>
-              <a:t>Plan. Delegate. Review.</a:t>
-            </a:r>
-            <a:endParaRPr lang="en-US" sz="1600" dirty="0"/>
+              <a:t>long-running, complex tasks</a:t>
+            </a:r>
+            <a:pPr algn="l" indent="0" marL="0">
+              <a:lnSpc>
+                <a:spcPts val="2250"/>
+              </a:lnSpc>
+              <a:spcAft>
+                <a:spcPts val="500"/>
+              </a:spcAft>
+              <a:buNone/>
+            </a:pPr>
+            <a:r>
+              <a:rPr lang="en-US" sz="1500" dirty="0">
+                <a:solidFill>
+                  <a:srgbClr val="B8C0CC"/>
+                </a:solidFill>
+                <a:latin typeface="Arial" pitchFamily="34" charset="0"/>
+                <a:ea typeface="Arial" pitchFamily="34" charset="-122"/>
+                <a:cs typeface="Arial" pitchFamily="34" charset="-120"/>
+              </a:rPr>
+              <a:t> with minimal oversight</a:t>
+            </a:r>
+            <a:endParaRPr lang="en-US" sz="1500" dirty="0"/>
           </a:p>
           <a:p>
             <a:pPr algn="l" marL="190500" indent="-190500">
               <a:lnSpc>
-                <a:spcPts val="2400"/>
-              </a:lnSpc>
-              <a:spcAft>
-                <a:spcPts val="600"/>
+                <a:spcPts val="2250"/>
+              </a:lnSpc>
+              <a:spcAft>
+                <a:spcPts val="500"/>
               </a:spcAft>
               <a:buSzPct val="100000"/>
               <a:buChar char="•"/>
             </a:pPr>
             <a:r>
-              <a:rPr lang="en-US" sz="1600" dirty="0">
+              <a:rPr lang="en-US" sz="1500" dirty="0">
                 <a:solidFill>
                   <a:srgbClr val="B8C0CC"/>
                 </a:solidFill>
@@ -2450,23 +2580,63 @@
                 <a:ea typeface="Arial" pitchFamily="34" charset="-122"/>
                 <a:cs typeface="Arial" pitchFamily="34" charset="-120"/>
               </a:rPr>
-              <a:t>Don't get married to any specific tool — they're all evolving too fast</a:t>
-            </a:r>
-            <a:endParaRPr lang="en-US" sz="1600" dirty="0"/>
+              <a:t>One developer runs </a:t>
+            </a:r>
+            <a:pPr algn="l" indent="0" marL="0">
+              <a:lnSpc>
+                <a:spcPts val="2250"/>
+              </a:lnSpc>
+              <a:spcAft>
+                <a:spcPts val="500"/>
+              </a:spcAft>
+              <a:buNone/>
+            </a:pPr>
+            <a:r>
+              <a:rPr lang="en-US" sz="1500" b="1" dirty="0">
+                <a:solidFill>
+                  <a:srgbClr val="B8C0CC"/>
+                </a:solidFill>
+                <a:latin typeface="Arial" pitchFamily="34" charset="0"/>
+                <a:ea typeface="Arial" pitchFamily="34" charset="-122"/>
+                <a:cs typeface="Arial" pitchFamily="34" charset="-120"/>
+              </a:rPr>
+              <a:t>multiple parallel work streams</a:t>
+            </a:r>
+            <a:pPr algn="l" indent="0" marL="0">
+              <a:lnSpc>
+                <a:spcPts val="2250"/>
+              </a:lnSpc>
+              <a:spcAft>
+                <a:spcPts val="500"/>
+              </a:spcAft>
+              <a:buNone/>
+            </a:pPr>
+            <a:r>
+              <a:rPr lang="en-US" sz="1500" dirty="0">
+                <a:solidFill>
+                  <a:srgbClr val="B8C0CC"/>
+                </a:solidFill>
+                <a:latin typeface="Arial" pitchFamily="34" charset="0"/>
+                <a:ea typeface="Arial" pitchFamily="34" charset="-122"/>
+                <a:cs typeface="Arial" pitchFamily="34" charset="-120"/>
+              </a:rPr>
+              <a:t> — kicking off tasks and moving on</a:t>
+            </a:r>
+            <a:endParaRPr lang="en-US" sz="1500" dirty="0"/>
           </a:p>
           <a:p>
             <a:pPr algn="l" marL="190500" indent="-190500">
               <a:lnSpc>
-                <a:spcPts val="2400"/>
-              </a:lnSpc>
-              <a:spcAft>
-                <a:spcPts val="600"/>
+                <a:spcPts val="2250"/>
+              </a:lnSpc>
+              <a:spcAft>
+                <a:spcPts val="500"/>
               </a:spcAft>
               <a:buSzPct val="100000"/>
               <a:buChar char="•"/>
             </a:pPr>
             <a:r>
-              <a:rPr lang="en-US" sz="1600" dirty="0">
+              <a:rPr lang="en-US" sz="1500" dirty="0">
                 <a:solidFill>
                   <a:srgbClr val="B8C0CC"/>
                 </a:solidFill>
@@ -2474,23 +2644,19 @@
                 <a:ea typeface="Arial" pitchFamily="34" charset="-122"/>
                 <a:cs typeface="Arial" pitchFamily="34" charset="-120"/>
               </a:rPr>
-              <a:t>Adopt and experiment with new AI technology as it arrives</a:t>
-            </a:r>
-            <a:endParaRPr lang="en-US" sz="1600" dirty="0"/>
-          </a:p>
-          <a:p>
-            <a:pPr algn="l" marL="190500" indent="-190500">
-              <a:lnSpc>
-                <a:spcPts val="2400"/>
-              </a:lnSpc>
-              <a:spcAft>
-                <a:spcPts val="600"/>
-              </a:spcAft>
-              <a:buSzPct val="100000"/>
-              <a:buChar char="•"/>
-            </a:pPr>
-            <a:r>
-              <a:rPr lang="en-US" sz="1600" dirty="0">
+              <a:t>The ramp-up from "first agent" to "full automation" is happening in </a:t>
+            </a:r>
+            <a:pPr algn="l" indent="0" marL="0">
+              <a:lnSpc>
+                <a:spcPts val="2250"/>
+              </a:lnSpc>
+              <a:spcAft>
+                <a:spcPts val="500"/>
+              </a:spcAft>
+              <a:buNone/>
+            </a:pPr>
+            <a:r>
+              <a:rPr lang="en-US" sz="1500" b="1" dirty="0">
                 <a:solidFill>
                   <a:srgbClr val="B8C0CC"/>
                 </a:solidFill>
@@ -2498,111 +2664,55 @@
                 <a:ea typeface="Arial" pitchFamily="34" charset="-122"/>
                 <a:cs typeface="Arial" pitchFamily="34" charset="-120"/>
               </a:rPr>
-              <a:t>Build fluency in the </a:t>
-            </a:r>
+              <a:t>weeks, not months</a:t>
+            </a:r>
+            <a:endParaRPr lang="en-US" sz="1500" dirty="0"/>
+          </a:p>
+        </p:txBody>
+      </p:sp>
+      <p:sp>
+        <p:nvSpPr>
+          <p:cNvPr id="6" name="Text 4"/>
+          <p:cNvSpPr/>
+          <p:nvPr/>
+        </p:nvSpPr>
+        <p:spPr>
+          <a:xfrm>
+            <a:off x="634901" y="3791396"/>
+            <a:ext cx="8031682" cy="568821"/>
+          </a:xfrm>
+          <a:prstGeom prst="rect">
+            <a:avLst/>
+          </a:prstGeom>
+          <a:noFill/>
+          <a:ln/>
+        </p:spPr>
+        <p:txBody>
+          <a:bodyPr wrap="square" lIns="0" tIns="0" rIns="0" bIns="0" rtlCol="0" anchor="t"/>
+          <a:lstStyle/>
+          <a:p>
             <a:pPr algn="l" indent="0" marL="0">
               <a:lnSpc>
-                <a:spcPts val="2400"/>
-              </a:lnSpc>
-              <a:spcAft>
-                <a:spcPts val="600"/>
+                <a:spcPts val="2240"/>
+              </a:lnSpc>
+              <a:spcBef>
+                <a:spcPts val="800"/>
+              </a:spcBef>
+              <a:spcAft>
+                <a:spcPts val="1000"/>
               </a:spcAft>
               <a:buNone/>
             </a:pPr>
             <a:r>
               <a:rPr lang="en-US" sz="1600" b="1" dirty="0">
                 <a:solidFill>
-                  <a:srgbClr val="B8C0CC"/>
-                </a:solidFill>
-                <a:latin typeface="Arial" pitchFamily="34" charset="0"/>
-                <a:ea typeface="Arial" pitchFamily="34" charset="-122"/>
-                <a:cs typeface="Arial" pitchFamily="34" charset="-120"/>
-              </a:rPr>
-              <a:t>pattern</a:t>
-            </a:r>
-            <a:pPr algn="l" indent="0" marL="0">
-              <a:lnSpc>
-                <a:spcPts val="2400"/>
-              </a:lnSpc>
-              <a:spcAft>
-                <a:spcPts val="600"/>
-              </a:spcAft>
-              <a:buNone/>
-            </a:pPr>
-            <a:r>
-              <a:rPr lang="en-US" sz="1600" dirty="0">
-                <a:solidFill>
-                  <a:srgbClr val="B8C0CC"/>
-                </a:solidFill>
-                <a:latin typeface="Arial" pitchFamily="34" charset="0"/>
-                <a:ea typeface="Arial" pitchFamily="34" charset="-122"/>
-                <a:cs typeface="Arial" pitchFamily="34" charset="-120"/>
-              </a:rPr>
-              <a:t> of working with AI — the specific tools are replaceable</a:t>
-            </a:r>
-            <a:endParaRPr lang="en-US" sz="1600" dirty="0"/>
-          </a:p>
-          <a:p>
-            <a:pPr algn="l" marL="190500" indent="-190500">
-              <a:lnSpc>
-                <a:spcPts val="2400"/>
-              </a:lnSpc>
-              <a:spcAft>
-                <a:spcPts val="600"/>
-              </a:spcAft>
-              <a:buSzPct val="100000"/>
-              <a:buChar char="•"/>
-            </a:pPr>
-            <a:r>
-              <a:rPr lang="en-US" sz="1600" dirty="0">
-                <a:solidFill>
-                  <a:srgbClr val="B8C0CC"/>
-                </a:solidFill>
-                <a:latin typeface="Arial" pitchFamily="34" charset="0"/>
-                <a:ea typeface="Arial" pitchFamily="34" charset="-122"/>
-                <a:cs typeface="Arial" pitchFamily="34" charset="-120"/>
-              </a:rPr>
-              <a:t>Automate your workflow so you can run </a:t>
-            </a:r>
-            <a:pPr algn="l" indent="0" marL="0">
-              <a:lnSpc>
-                <a:spcPts val="2400"/>
-              </a:lnSpc>
-              <a:spcAft>
-                <a:spcPts val="600"/>
-              </a:spcAft>
-              <a:buNone/>
-            </a:pPr>
-            <a:r>
-              <a:rPr lang="en-US" sz="1600" b="1" dirty="0">
-                <a:solidFill>
-                  <a:srgbClr val="B8C0CC"/>
-                </a:solidFill>
-                <a:latin typeface="Arial" pitchFamily="34" charset="0"/>
-                <a:ea typeface="Arial" pitchFamily="34" charset="-122"/>
-                <a:cs typeface="Arial" pitchFamily="34" charset="-120"/>
-              </a:rPr>
-              <a:t>more parallel work streams</a:t>
-            </a:r>
-            <a:pPr algn="l" indent="0" marL="0">
-              <a:lnSpc>
-                <a:spcPts val="2400"/>
-              </a:lnSpc>
-              <a:spcAft>
-                <a:spcPts val="600"/>
-              </a:spcAft>
-              <a:buNone/>
-            </a:pPr>
-            <a:r>
-              <a:rPr lang="en-US" sz="1600" dirty="0">
-                <a:solidFill>
-                  <a:srgbClr val="B8C0CC"/>
-                </a:solidFill>
-                <a:latin typeface="Arial" pitchFamily="34" charset="0"/>
-                <a:ea typeface="Arial" pitchFamily="34" charset="-122"/>
-                <a:cs typeface="Arial" pitchFamily="34" charset="-120"/>
-              </a:rPr>
-              <a:t> than ever before</a:t>
+                  <a:srgbClr val="5EA8A7"/>
+                </a:solidFill>
+                <a:latin typeface="Arial" pitchFamily="34" charset="0"/>
+                <a:ea typeface="Arial" pitchFamily="34" charset="-122"/>
+                <a:cs typeface="Arial" pitchFamily="34" charset="-120"/>
+              </a:rPr>
+              <a:t>If you tried AI six months ago and were underwhelmed — try again. It's a different world.</a:t>
             </a:r>
             <a:endParaRPr lang="en-US" sz="1600" dirty="0"/>
           </a:p>
@@ -2648,8 +2758,8 @@
         </p:nvSpPr>
         <p:spPr>
           <a:xfrm>
-            <a:off x="634901" y="253901"/>
-            <a:ext cx="4540478" cy="561975"/>
+            <a:off x="634901" y="739527"/>
+            <a:ext cx="4062901" cy="495300"/>
           </a:xfrm>
           <a:prstGeom prst="rect">
             <a:avLst/>
@@ -2663,12 +2773,12 @@
           <a:p>
             <a:pPr algn="l" indent="0" marL="0">
               <a:spcAft>
-                <a:spcPts val="3500"/>
+                <a:spcPts val="2500"/>
               </a:spcAft>
               <a:buNone/>
             </a:pPr>
             <a:r>
-              <a:rPr lang="en-US" sz="3800" b="1" dirty="0">
+              <a:rPr lang="en-US" sz="3400" b="1" dirty="0">
                 <a:solidFill>
                   <a:srgbClr val="5EA8A7"/>
                 </a:solidFill>
@@ -2678,7 +2788,7 @@
               </a:rPr>
               <a:t>The New Developer</a:t>
             </a:r>
-            <a:endParaRPr lang="en-US" sz="3800" dirty="0"/>
+            <a:endParaRPr lang="en-US" sz="3400" dirty="0"/>
           </a:p>
         </p:txBody>
       </p:sp>
@@ -2690,8 +2800,8 @@
         </p:nvSpPr>
         <p:spPr>
           <a:xfrm>
-            <a:off x="634901" y="1260277"/>
-            <a:ext cx="8031682" cy="1143000"/>
+            <a:off x="634901" y="1552277"/>
+            <a:ext cx="8031682" cy="906810"/>
           </a:xfrm>
           <a:prstGeom prst="rect">
             <a:avLst/>
@@ -2705,15 +2815,15 @@
           <a:p>
             <a:pPr algn="l" indent="0" marL="0">
               <a:lnSpc>
-                <a:spcPts val="3000"/>
-              </a:lnSpc>
-              <a:spcAft>
-                <a:spcPts val="1800"/>
+                <a:spcPts val="2380"/>
+              </a:lnSpc>
+              <a:spcAft>
+                <a:spcPts val="1400"/>
               </a:spcAft>
               <a:buNone/>
             </a:pPr>
             <a:r>
-              <a:rPr lang="en-US" sz="2000" dirty="0">
+              <a:rPr lang="en-US" sz="1700" dirty="0">
                 <a:solidFill>
                   <a:srgbClr val="FFFFFF"/>
                 </a:solidFill>
@@ -2721,9 +2831,9 @@
                 <a:ea typeface="Arial" pitchFamily="34" charset="-122"/>
                 <a:cs typeface="Arial" pitchFamily="34" charset="-120"/>
               </a:rPr>
-              <a:t>The modern developer delegates to agents: resolve merge conflicts, create work items, triage issues, submit PRs, review PRs — even create PowerPoint slides.</a:t>
-            </a:r>
-            <a:endParaRPr lang="en-US" sz="2000" dirty="0"/>
+              <a:t>The modern developer delegates to agents: resolve merge conflicts, create work items, triage issues, submit PRs, review PRs, do exploratory testing, spike multiple solutions — even create PowerPoint slides.</a:t>
+            </a:r>
+            <a:endParaRPr lang="en-US" sz="1700" dirty="0"/>
           </a:p>
         </p:txBody>
       </p:sp>
@@ -2735,8 +2845,8 @@
         </p:nvSpPr>
         <p:spPr>
           <a:xfrm>
-            <a:off x="634901" y="2911227"/>
-            <a:ext cx="5033084" cy="365671"/>
+            <a:off x="634901" y="2839938"/>
+            <a:ext cx="4473229" cy="304651"/>
           </a:xfrm>
           <a:prstGeom prst="rect">
             <a:avLst/>
@@ -2750,18 +2860,18 @@
           <a:p>
             <a:pPr algn="l" indent="0" marL="0">
               <a:lnSpc>
-                <a:spcPts val="2880"/>
+                <a:spcPts val="2400"/>
               </a:lnSpc>
               <a:spcBef>
-                <a:spcPts val="2200"/>
+                <a:spcPts val="1600"/>
               </a:spcBef>
               <a:spcAft>
-                <a:spcPts val="1800"/>
+                <a:spcPts val="1400"/>
               </a:spcAft>
               <a:buNone/>
             </a:pPr>
             <a:r>
-              <a:rPr lang="en-US" sz="1800" i="1" dirty="0">
+              <a:rPr lang="en-US" sz="1600" i="1" dirty="0">
                 <a:solidFill>
                   <a:srgbClr val="B8C0CC"/>
                 </a:solidFill>
@@ -2771,7 +2881,7 @@
               </a:rPr>
               <a:t>(Yes — this presentation was generated with AI.)</a:t>
             </a:r>
-            <a:endParaRPr lang="en-US" sz="1800" dirty="0"/>
+            <a:endParaRPr lang="en-US" sz="1600" dirty="0"/>
           </a:p>
         </p:txBody>
       </p:sp>
@@ -2783,8 +2893,8 @@
         </p:nvSpPr>
         <p:spPr>
           <a:xfrm>
-            <a:off x="634901" y="3822948"/>
-            <a:ext cx="8031682" cy="837902"/>
+            <a:off x="634901" y="3550890"/>
+            <a:ext cx="8031682" cy="675382"/>
           </a:xfrm>
           <a:prstGeom prst="rect">
             <a:avLst/>
@@ -2798,18 +2908,18 @@
           <a:p>
             <a:pPr algn="l" indent="0" marL="0">
               <a:lnSpc>
-                <a:spcPts val="3300"/>
+                <a:spcPts val="2660"/>
               </a:lnSpc>
               <a:spcBef>
-                <a:spcPts val="2500"/>
+                <a:spcPts val="1800"/>
               </a:spcBef>
               <a:spcAft>
-                <a:spcPts val="1800"/>
+                <a:spcPts val="1400"/>
               </a:spcAft>
               <a:buNone/>
             </a:pPr>
             <a:r>
-              <a:rPr lang="en-US" sz="2200" b="1" dirty="0">
+              <a:rPr lang="en-US" sz="1900" b="1" dirty="0">
                 <a:solidFill>
                   <a:srgbClr val="FF6B6B"/>
                 </a:solidFill>
@@ -2819,7 +2929,7 @@
               </a:rPr>
               <a:t>The craft shifts from "how do I write this?" to "who should write this, and what are the constraints?"</a:t>
             </a:r>
-            <a:endParaRPr lang="en-US" sz="2200" dirty="0"/>
+            <a:endParaRPr lang="en-US" sz="1900" dirty="0"/>
           </a:p>
         </p:txBody>
       </p:sp>

--- a/docs/presentations/marks-journey-short.pptx
+++ b/docs/presentations/marks-journey-short.pptx
@@ -11,9 +11,10 @@
     <p:sldId id="259" r:id="rId5"/>
     <p:sldId id="260" r:id="rId6"/>
     <p:sldId id="261" r:id="rId7"/>
+    <p:sldId id="262" r:id="rId8"/>
   </p:sldIdLst>
   <p:notesMasterIdLst>
-    <p:notesMasterId r:id="rId8"/>
+    <p:notesMasterId r:id="rId9"/>
   </p:notesMasterIdLst>
   <p:sldSz cx="9144000" cy="5143500"/>
   <p:notesSz cx="5143500" cy="9144000"/>
@@ -971,6 +972,94 @@
             <a:fld id="{F7021451-1387-4CA6-816F-3879F97B5CBC}" type="slidenum">
               <a:rPr lang="en-US"/>
               <a:t>6</a:t>
+            </a:fld>
+            <a:endParaRPr lang="en-US"/>
+          </a:p>
+        </p:txBody>
+      </p:sp>
+    </p:spTree>
+    <p:extLst>
+      <p:ext uri="{BB962C8B-B14F-4D97-AF65-F5344CB8AC3E}">
+        <p14:creationId xmlns:p14="http://schemas.microsoft.com/office/powerpoint/2010/main" val="1024086991"/>
+      </p:ext>
+    </p:extLst>
+  </p:cSld>
+  <p:clrMapOvr>
+    <a:masterClrMapping/>
+  </p:clrMapOvr>
+</p:notes>
+</file>
+
+<file path=ppt/notesSlides/notesSlide7.xml><?xml version="1.0" encoding="utf-8"?>
+<p:notes xmlns:a="http://schemas.openxmlformats.org/drawingml/2006/main" xmlns:r="http://schemas.openxmlformats.org/officeDocument/2006/relationships" xmlns:p="http://schemas.openxmlformats.org/presentationml/2006/main">
+  <p:cSld>
+    <p:spTree>
+      <p:nvGrpSpPr>
+        <p:cNvPr id="1" name=""/>
+        <p:cNvGrpSpPr/>
+        <p:nvPr/>
+      </p:nvGrpSpPr>
+      <p:grpSpPr>
+        <a:xfrm>
+          <a:off x="0" y="0"/>
+          <a:ext cx="0" cy="0"/>
+          <a:chOff x="0" y="0"/>
+          <a:chExt cx="0" cy="0"/>
+        </a:xfrm>
+      </p:grpSpPr>
+      <p:sp>
+        <p:nvSpPr>
+          <p:cNvPr id="2" name="Slide Image Placeholder 1"/>
+          <p:cNvSpPr>
+            <a:spLocks noGrp="1" noRot="1" noChangeAspect="1"/>
+          </p:cNvSpPr>
+          <p:nvPr>
+            <p:ph type="sldImg"/>
+          </p:nvPr>
+        </p:nvSpPr>
+        <p:spPr/>
+      </p:sp>
+      <p:sp>
+        <p:nvSpPr>
+          <p:cNvPr id="3" name="Notes Placeholder 2"/>
+          <p:cNvSpPr>
+            <a:spLocks noGrp="1"/>
+          </p:cNvSpPr>
+          <p:nvPr>
+            <p:ph type="body" idx="1"/>
+          </p:nvPr>
+        </p:nvSpPr>
+        <p:spPr/>
+        <p:txBody>
+          <a:bodyPr/>
+          <a:lstStyle/>
+          <a:p>
+            <a:r>
+              <a:rPr lang="en-US" dirty="0"/>
+              <a:t/>
+            </a:r>
+            <a:endParaRPr lang="en-US" dirty="0"/>
+          </a:p>
+        </p:txBody>
+      </p:sp>
+      <p:sp>
+        <p:nvSpPr>
+          <p:cNvPr id="4" name="Slide Number Placeholder 3"/>
+          <p:cNvSpPr>
+            <a:spLocks noGrp="1"/>
+          </p:cNvSpPr>
+          <p:nvPr>
+            <p:ph type="sldNum" sz="quarter" idx="10"/>
+          </p:nvPr>
+        </p:nvSpPr>
+        <p:spPr/>
+        <p:txBody>
+          <a:bodyPr/>
+          <a:lstStyle/>
+          <a:p>
+            <a:fld id="{F7021451-1387-4CA6-816F-3879F97B5CBC}" type="slidenum">
+              <a:rPr lang="en-US"/>
+              <a:t>7</a:t>
             </a:fld>
             <a:endParaRPr lang="en-US"/>
           </a:p>
@@ -2758,6 +2847,196 @@
         </p:nvSpPr>
         <p:spPr>
           <a:xfrm>
+            <a:off x="2908372" y="1887736"/>
+            <a:ext cx="3327255" cy="371475"/>
+          </a:xfrm>
+          <a:prstGeom prst="rect">
+            <a:avLst/>
+          </a:prstGeom>
+          <a:noFill/>
+          <a:ln/>
+        </p:spPr>
+        <p:txBody>
+          <a:bodyPr wrap="square" lIns="0" tIns="0" rIns="0" bIns="0" rtlCol="0" anchor="t"/>
+          <a:lstStyle/>
+          <a:p>
+            <a:pPr algn="ctr" indent="0" marL="0">
+              <a:spcAft>
+                <a:spcPts val="400"/>
+              </a:spcAft>
+              <a:buNone/>
+            </a:pPr>
+            <a:r>
+              <a:rPr lang="en-US" sz="2600" b="1" dirty="0">
+                <a:solidFill>
+                  <a:srgbClr val="FF6B6B"/>
+                </a:solidFill>
+                <a:latin typeface="Arial" pitchFamily="34" charset="0"/>
+                <a:ea typeface="Arial" pitchFamily="34" charset="-122"/>
+                <a:cs typeface="Arial" pitchFamily="34" charset="-120"/>
+              </a:rPr>
+              <a:t>The Gap Is Widening</a:t>
+            </a:r>
+            <a:endParaRPr lang="en-US" sz="2600" dirty="0"/>
+          </a:p>
+        </p:txBody>
+      </p:sp>
+      <p:sp>
+        <p:nvSpPr>
+          <p:cNvPr id="3" name="Text 1"/>
+          <p:cNvSpPr/>
+          <p:nvPr/>
+        </p:nvSpPr>
+        <p:spPr>
+          <a:xfrm>
+            <a:off x="1929993" y="2309961"/>
+            <a:ext cx="5283866" cy="214461"/>
+          </a:xfrm>
+          <a:prstGeom prst="rect">
+            <a:avLst/>
+          </a:prstGeom>
+          <a:noFill/>
+          <a:ln/>
+        </p:spPr>
+        <p:txBody>
+          <a:bodyPr wrap="square" lIns="0" tIns="0" rIns="0" bIns="0" rtlCol="0" anchor="t"/>
+          <a:lstStyle/>
+          <a:p>
+            <a:pPr algn="ctr" indent="0" marL="0">
+              <a:lnSpc>
+                <a:spcPts val="1690"/>
+              </a:lnSpc>
+              <a:spcAft>
+                <a:spcPts val="800"/>
+              </a:spcAft>
+              <a:buNone/>
+            </a:pPr>
+            <a:r>
+              <a:rPr lang="en-US" sz="1300" dirty="0">
+                <a:solidFill>
+                  <a:srgbClr val="B8C0CC"/>
+                </a:solidFill>
+                <a:latin typeface="Arial" pitchFamily="34" charset="0"/>
+                <a:ea typeface="Arial" pitchFamily="34" charset="-122"/>
+                <a:cs typeface="Arial" pitchFamily="34" charset="-120"/>
+              </a:rPr>
+              <a:t>Developers who adopt AI aren't just keeping up — they're pulling away.</a:t>
+            </a:r>
+            <a:endParaRPr lang="en-US" sz="1300" dirty="0"/>
+          </a:p>
+        </p:txBody>
+      </p:sp>
+      <p:sp>
+        <p:nvSpPr>
+          <p:cNvPr id="4" name="Text 2"/>
+          <p:cNvSpPr/>
+          <p:nvPr/>
+        </p:nvSpPr>
+        <p:spPr>
+          <a:xfrm>
+            <a:off x="1867905" y="2702123"/>
+            <a:ext cx="5408042" cy="198090"/>
+          </a:xfrm>
+          <a:prstGeom prst="rect">
+            <a:avLst/>
+          </a:prstGeom>
+          <a:noFill/>
+          <a:ln/>
+        </p:spPr>
+        <p:txBody>
+          <a:bodyPr wrap="square" lIns="0" tIns="0" rIns="0" bIns="0" rtlCol="0" anchor="t"/>
+          <a:lstStyle/>
+          <a:p>
+            <a:pPr algn="ctr" indent="0" marL="0">
+              <a:lnSpc>
+                <a:spcPts val="1560"/>
+              </a:lnSpc>
+              <a:spcBef>
+                <a:spcPts val="600"/>
+              </a:spcBef>
+              <a:spcAft>
+                <a:spcPts val="800"/>
+              </a:spcAft>
+              <a:buNone/>
+            </a:pPr>
+            <a:r>
+              <a:rPr lang="en-US" sz="1200" b="1" dirty="0">
+                <a:solidFill>
+                  <a:srgbClr val="5EA8A7"/>
+                </a:solidFill>
+                <a:latin typeface="Arial" pitchFamily="34" charset="0"/>
+                <a:ea typeface="Arial" pitchFamily="34" charset="-122"/>
+                <a:cs typeface="Arial" pitchFamily="34" charset="-120"/>
+              </a:rPr>
+              <a:t>AI-first developers ride the capability curve. Everyone else falls behind it.</a:t>
+            </a:r>
+            <a:endParaRPr lang="en-US" sz="1200" dirty="0"/>
+          </a:p>
+        </p:txBody>
+      </p:sp>
+      <p:pic>
+        <p:nvPicPr>
+          <p:cNvPr id="5" name="Image 0" descr="C:\Users\cirvine\code\work\editless.wt\leadership-presentation\docs\presentations\workspace\short\capability-curve.png">    </p:cNvPr>
+          <p:cNvPicPr>
+            <a:picLocks noChangeAspect="1"/>
+          </p:cNvPicPr>
+          <p:nvPr/>
+        </p:nvPicPr>
+        <p:blipFill>
+          <a:blip r:embed="rId1"/>
+          <a:srcRect l="0" r="0" t="0" b="0"/>
+          <a:stretch/>
+        </p:blipFill>
+        <p:spPr>
+          <a:xfrm>
+            <a:off x="1097280" y="1188720"/>
+            <a:ext cx="6949440" cy="3200400"/>
+          </a:xfrm>
+          <a:prstGeom prst="rect">
+            <a:avLst/>
+          </a:prstGeom>
+        </p:spPr>
+      </p:pic>
+    </p:spTree>
+  </p:cSld>
+  <p:clrMapOvr>
+    <a:masterClrMapping/>
+  </p:clrMapOvr>
+</p:sld>
+</file>
+
+<file path=ppt/slides/slide7.xml><?xml version="1.0" encoding="utf-8"?>
+<p:sld xmlns:a="http://schemas.openxmlformats.org/drawingml/2006/main" xmlns:r="http://schemas.openxmlformats.org/officeDocument/2006/relationships" xmlns:p="http://schemas.openxmlformats.org/presentationml/2006/main">
+  <p:cSld name="Slide 7">
+    <p:bg>
+      <p:bgPr>
+        <a:solidFill>
+          <a:srgbClr val="1C1C2E"/>
+        </a:solidFill>
+      </p:bgPr>
+    </p:bg>
+    <p:spTree>
+      <p:nvGrpSpPr>
+        <p:cNvPr id="1" name=""/>
+        <p:cNvGrpSpPr/>
+        <p:nvPr/>
+      </p:nvGrpSpPr>
+      <p:grpSpPr>
+        <a:xfrm>
+          <a:off x="0" y="0"/>
+          <a:ext cx="0" cy="0"/>
+          <a:chOff x="0" y="0"/>
+          <a:chExt cx="0" cy="0"/>
+        </a:xfrm>
+      </p:grpSpPr>
+      <p:sp>
+        <p:nvSpPr>
+          <p:cNvPr id="2" name="Text 0"/>
+          <p:cNvSpPr/>
+          <p:nvPr/>
+        </p:nvSpPr>
+        <p:spPr>
+          <a:xfrm>
             <a:off x="634901" y="739527"/>
             <a:ext cx="4062901" cy="495300"/>
           </a:xfrm>

--- a/docs/presentations/marks-journey-short.pptx
+++ b/docs/presentations/marks-journey-short.pptx
@@ -3037,7 +3037,7 @@
         </p:nvSpPr>
         <p:spPr>
           <a:xfrm>
-            <a:off x="634901" y="739527"/>
+            <a:off x="634901" y="908298"/>
             <a:ext cx="4062901" cy="495300"/>
           </a:xfrm>
           <a:prstGeom prst="rect">
@@ -3079,7 +3079,7 @@
         </p:nvSpPr>
         <p:spPr>
           <a:xfrm>
-            <a:off x="634901" y="1552277"/>
+            <a:off x="634901" y="1721048"/>
             <a:ext cx="8031682" cy="906810"/>
           </a:xfrm>
           <a:prstGeom prst="rect">
@@ -3124,7 +3124,7 @@
         </p:nvSpPr>
         <p:spPr>
           <a:xfrm>
-            <a:off x="634901" y="2839938"/>
+            <a:off x="634901" y="3008709"/>
             <a:ext cx="4473229" cy="304651"/>
           </a:xfrm>
           <a:prstGeom prst="rect">
@@ -3172,8 +3172,8 @@
         </p:nvSpPr>
         <p:spPr>
           <a:xfrm>
-            <a:off x="634901" y="3550890"/>
-            <a:ext cx="8031682" cy="675382"/>
+            <a:off x="634901" y="3719661"/>
+            <a:ext cx="6263006" cy="337691"/>
           </a:xfrm>
           <a:prstGeom prst="rect">
             <a:avLst/>
@@ -3206,7 +3206,7 @@
                 <a:ea typeface="Arial" pitchFamily="34" charset="-122"/>
                 <a:cs typeface="Arial" pitchFamily="34" charset="-120"/>
               </a:rPr>
-              <a:t>The craft shifts from "how do I write this?" to "who should write this, and what are the constraints?"</a:t>
+              <a:t>Less time writing code. More time shaping outcomes.</a:t>
             </a:r>
             <a:endParaRPr lang="en-US" sz="1900" dirty="0"/>
           </a:p>

--- a/docs/presentations/marks-journey-short.pptx
+++ b/docs/presentations/marks-journey-short.pptx
@@ -4,6 +4,9 @@
   <p:sldMasterIdLst>
     <p:sldMasterId id="2147483648" r:id="rId1"/>
   </p:sldMasterIdLst>
+  <p:notesMasterIdLst>
+    <p:notesMasterId r:id="rId9"/>
+  </p:notesMasterIdLst>
   <p:sldIdLst>
     <p:sldId id="256" r:id="rId2"/>
     <p:sldId id="257" r:id="rId3"/>
@@ -13,10 +16,7 @@
     <p:sldId id="261" r:id="rId7"/>
     <p:sldId id="262" r:id="rId8"/>
   </p:sldIdLst>
-  <p:notesMasterIdLst>
-    <p:notesMasterId r:id="rId9"/>
-  </p:notesMasterIdLst>
-  <p:sldSz cx="9144000" cy="5143500"/>
+  <p:sldSz cx="9144000" cy="5143500" type="screen16x9"/>
   <p:notesSz cx="5143500" cy="9144000"/>
   <p:defaultTextStyle>
     <a:lvl1pPr marL="0" algn="l" defTabSz="914400" rtl="0" eaLnBrk="1" latinLnBrk="0" hangingPunct="1">
@@ -110,6 +110,11 @@
       </a:defRPr>
     </a:lvl9pPr>
   </p:defaultTextStyle>
+  <p:extLst>
+    <p:ext uri="{EFAFB233-063F-42B5-8137-9DF3F51BA10A}">
+      <p15:sldGuideLst xmlns:p15="http://schemas.microsoft.com/office/powerpoint/2012/main"/>
+    </p:ext>
+  </p:extLst>
 </p:presentation>
 </file>
 
@@ -135,234 +140,10 @@
           <a:chExt cx="0" cy="0"/>
         </a:xfrm>
       </p:grpSpPr>
-      <p:sp>
-        <p:nvSpPr>
-          <p:cNvPr id="2" name="Header Placeholder 1"/>
-          <p:cNvSpPr>
-            <a:spLocks noGrp="1"/>
-          </p:cNvSpPr>
-          <p:nvPr>
-            <p:ph type="hdr" sz="quarter"/>
-          </p:nvPr>
-        </p:nvSpPr>
-        <p:spPr>
-          <a:xfrm>
-            <a:off x="0" y="0"/>
-            <a:ext cx="2971800" cy="458788"/>
-          </a:xfrm>
-          <a:prstGeom prst="rect">
-            <a:avLst/>
-          </a:prstGeom>
-        </p:spPr>
-        <p:txBody>
-          <a:bodyPr vert="horz" lIns="91440" tIns="45720" rIns="91440" bIns="45720" rtlCol="0"/>
-          <a:lstStyle>
-            <a:lvl1pPr algn="l">
-              <a:defRPr sz="1200"/>
-            </a:lvl1pPr>
-          </a:lstStyle>
-          <a:p>
-            <a:endParaRPr lang="en-US"/>
-          </a:p>
-        </p:txBody>
-      </p:sp>
-      <p:sp>
-        <p:nvSpPr>
-          <p:cNvPr id="3" name="Date Placeholder 2"/>
-          <p:cNvSpPr>
-            <a:spLocks noGrp="1"/>
-          </p:cNvSpPr>
-          <p:nvPr>
-            <p:ph type="dt" idx="1"/>
-          </p:nvPr>
-        </p:nvSpPr>
-        <p:spPr>
-          <a:xfrm>
-            <a:off x="3884613" y="0"/>
-            <a:ext cx="2971800" cy="458788"/>
-          </a:xfrm>
-          <a:prstGeom prst="rect">
-            <a:avLst/>
-          </a:prstGeom>
-        </p:spPr>
-        <p:txBody>
-          <a:bodyPr vert="horz" lIns="91440" tIns="45720" rIns="91440" bIns="45720" rtlCol="0"/>
-          <a:lstStyle>
-            <a:lvl1pPr algn="r">
-              <a:defRPr sz="1200"/>
-            </a:lvl1pPr>
-          </a:lstStyle>
-          <a:p>
-            <a:fld id="{5282F153-3F37-0F45-9E97-73ACFA13230C}" type="datetimeFigureOut">
-              <a:rPr lang="en-US"/>
-              <a:t>7/23/19</a:t>
-            </a:fld>
-            <a:endParaRPr lang="en-US"/>
-          </a:p>
-        </p:txBody>
-      </p:sp>
-      <p:sp>
-        <p:nvSpPr>
-          <p:cNvPr id="4" name="Slide Image Placeholder 3"/>
-          <p:cNvSpPr>
-            <a:spLocks noGrp="1" noRot="1" noChangeAspect="1"/>
-          </p:cNvSpPr>
-          <p:nvPr>
-            <p:ph type="sldImg" idx="2"/>
-          </p:nvPr>
-        </p:nvSpPr>
-        <p:spPr>
-          <a:xfrm>
-            <a:off x="685800" y="1143000"/>
-            <a:ext cx="5486400" cy="3086100"/>
-          </a:xfrm>
-          <a:prstGeom prst="rect">
-            <a:avLst/>
-          </a:prstGeom>
-          <a:noFill/>
-          <a:ln w="12700">
-            <a:solidFill>
-              <a:prstClr val="black"/>
-            </a:solidFill>
-          </a:ln>
-        </p:spPr>
-        <p:txBody>
-          <a:bodyPr vert="horz" lIns="91440" tIns="45720" rIns="91440" bIns="45720" rtlCol="0" anchor="ctr"/>
-          <a:lstStyle/>
-          <a:p>
-            <a:endParaRPr lang="en-US"/>
-          </a:p>
-        </p:txBody>
-      </p:sp>
-      <p:sp>
-        <p:nvSpPr>
-          <p:cNvPr id="5" name="Notes Placeholder 4"/>
-          <p:cNvSpPr>
-            <a:spLocks noGrp="1"/>
-          </p:cNvSpPr>
-          <p:nvPr>
-            <p:ph type="body" sz="quarter" idx="3"/>
-          </p:nvPr>
-        </p:nvSpPr>
-        <p:spPr>
-          <a:xfrm>
-            <a:off x="685800" y="4400550"/>
-            <a:ext cx="5486400" cy="3600450"/>
-          </a:xfrm>
-          <a:prstGeom prst="rect">
-            <a:avLst/>
-          </a:prstGeom>
-        </p:spPr>
-        <p:txBody>
-          <a:bodyPr vert="horz" lIns="91440" tIns="45720" rIns="91440" bIns="45720" rtlCol="0"/>
-          <a:lstStyle/>
-          <a:p>
-            <a:pPr lvl="0"/>
-            <a:r>
-              <a:rPr lang="en-US"/>
-              <a:t>Click to edit Master text styles</a:t>
-            </a:r>
-          </a:p>
-          <a:p>
-            <a:pPr lvl="1"/>
-            <a:r>
-              <a:rPr lang="en-US"/>
-              <a:t>Second level</a:t>
-            </a:r>
-          </a:p>
-          <a:p>
-            <a:pPr lvl="2"/>
-            <a:r>
-              <a:rPr lang="en-US"/>
-              <a:t>Third level</a:t>
-            </a:r>
-          </a:p>
-          <a:p>
-            <a:pPr lvl="3"/>
-            <a:r>
-              <a:rPr lang="en-US"/>
-              <a:t>Fourth level</a:t>
-            </a:r>
-          </a:p>
-          <a:p>
-            <a:pPr lvl="4"/>
-            <a:r>
-              <a:rPr lang="en-US"/>
-              <a:t>Fifth level</a:t>
-            </a:r>
-          </a:p>
-        </p:txBody>
-      </p:sp>
-      <p:sp>
-        <p:nvSpPr>
-          <p:cNvPr id="6" name="Footer Placeholder 5"/>
-          <p:cNvSpPr>
-            <a:spLocks noGrp="1"/>
-          </p:cNvSpPr>
-          <p:nvPr>
-            <p:ph type="ftr" sz="quarter" idx="4"/>
-          </p:nvPr>
-        </p:nvSpPr>
-        <p:spPr>
-          <a:xfrm>
-            <a:off x="0" y="8685213"/>
-            <a:ext cx="2971800" cy="458787"/>
-          </a:xfrm>
-          <a:prstGeom prst="rect">
-            <a:avLst/>
-          </a:prstGeom>
-        </p:spPr>
-        <p:txBody>
-          <a:bodyPr vert="horz" lIns="91440" tIns="45720" rIns="91440" bIns="45720" rtlCol="0" anchor="b"/>
-          <a:lstStyle>
-            <a:lvl1pPr algn="l">
-              <a:defRPr sz="1200"/>
-            </a:lvl1pPr>
-          </a:lstStyle>
-          <a:p>
-            <a:endParaRPr lang="en-US"/>
-          </a:p>
-        </p:txBody>
-      </p:sp>
-      <p:sp>
-        <p:nvSpPr>
-          <p:cNvPr id="7" name="Slide Number Placeholder 6"/>
-          <p:cNvSpPr>
-            <a:spLocks noGrp="1"/>
-          </p:cNvSpPr>
-          <p:nvPr>
-            <p:ph type="sldNum" sz="quarter" idx="5"/>
-          </p:nvPr>
-        </p:nvSpPr>
-        <p:spPr>
-          <a:xfrm>
-            <a:off x="3884613" y="8685213"/>
-            <a:ext cx="2971800" cy="458787"/>
-          </a:xfrm>
-          <a:prstGeom prst="rect">
-            <a:avLst/>
-          </a:prstGeom>
-        </p:spPr>
-        <p:txBody>
-          <a:bodyPr vert="horz" lIns="91440" tIns="45720" rIns="91440" bIns="45720" rtlCol="0" anchor="b"/>
-          <a:lstStyle>
-            <a:lvl1pPr algn="r">
-              <a:defRPr sz="1200"/>
-            </a:lvl1pPr>
-          </a:lstStyle>
-          <a:p>
-            <a:fld id="{CE5E9CC1-C706-0F49-92D6-E571CC5EEA8F}" type="slidenum">
-              <a:rPr lang="en-US"/>
-              <a:t>‹#›</a:t>
-            </a:fld>
-            <a:endParaRPr lang="en-US"/>
-          </a:p>
-        </p:txBody>
-      </p:sp>
     </p:spTree>
     <p:extLst>
       <p:ext uri="{BB962C8B-B14F-4D97-AF65-F5344CB8AC3E}">
-        <p14:creationId xmlns:p14="http://schemas.microsoft.com/office/powerpoint/2010/main" val="1024086991"/>
+        <p14:creationId xmlns:p14="http://schemas.microsoft.com/office/powerpoint/2010/main" val="357163236"/>
       </p:ext>
     </p:extLst>
   </p:cSld>
@@ -506,10 +287,6 @@
           <a:bodyPr/>
           <a:lstStyle/>
           <a:p>
-            <a:r>
-              <a:rPr lang="en-US" dirty="0"/>
-              <a:t/>
-            </a:r>
             <a:endParaRPr lang="en-US" dirty="0"/>
           </a:p>
         </p:txBody>
@@ -594,10 +371,6 @@
           <a:bodyPr/>
           <a:lstStyle/>
           <a:p>
-            <a:r>
-              <a:rPr lang="en-US" dirty="0"/>
-              <a:t/>
-            </a:r>
             <a:endParaRPr lang="en-US" dirty="0"/>
           </a:p>
         </p:txBody>
@@ -682,10 +455,6 @@
           <a:bodyPr/>
           <a:lstStyle/>
           <a:p>
-            <a:r>
-              <a:rPr lang="en-US" dirty="0"/>
-              <a:t/>
-            </a:r>
             <a:endParaRPr lang="en-US" dirty="0"/>
           </a:p>
         </p:txBody>
@@ -770,10 +539,6 @@
           <a:bodyPr/>
           <a:lstStyle/>
           <a:p>
-            <a:r>
-              <a:rPr lang="en-US" dirty="0"/>
-              <a:t/>
-            </a:r>
             <a:endParaRPr lang="en-US" dirty="0"/>
           </a:p>
         </p:txBody>
@@ -858,10 +623,6 @@
           <a:bodyPr/>
           <a:lstStyle/>
           <a:p>
-            <a:r>
-              <a:rPr lang="en-US" dirty="0"/>
-              <a:t/>
-            </a:r>
             <a:endParaRPr lang="en-US" dirty="0"/>
           </a:p>
         </p:txBody>
@@ -946,10 +707,6 @@
           <a:bodyPr/>
           <a:lstStyle/>
           <a:p>
-            <a:r>
-              <a:rPr lang="en-US" dirty="0"/>
-              <a:t/>
-            </a:r>
             <a:endParaRPr lang="en-US" dirty="0"/>
           </a:p>
         </p:txBody>
@@ -1034,10 +791,6 @@
           <a:bodyPr/>
           <a:lstStyle/>
           <a:p>
-            <a:r>
-              <a:rPr lang="en-US" dirty="0"/>
-              <a:t/>
-            </a:r>
             <a:endParaRPr lang="en-US" dirty="0"/>
           </a:p>
         </p:txBody>
@@ -1111,6 +864,11 @@
 <file path=ppt/slideMasters/slideMaster1.xml><?xml version="1.0" encoding="utf-8"?>
 <p:sldMaster xmlns:a="http://schemas.openxmlformats.org/drawingml/2006/main" xmlns:r="http://schemas.openxmlformats.org/officeDocument/2006/relationships" xmlns:p="http://schemas.openxmlformats.org/presentationml/2006/main">
   <p:cSld>
+    <p:bg>
+      <p:bgRef idx="1001">
+        <a:schemeClr val="bg1"/>
+      </p:bgRef>
+    </p:bg>
     <p:spTree>
       <p:nvGrpSpPr>
         <p:cNvPr id="1" name=""/>
@@ -1393,6 +1151,7 @@
         <a:solidFill>
           <a:srgbClr val="1C1C2E"/>
         </a:solidFill>
+        <a:effectLst/>
       </p:bgPr>
     </p:bg>
     <p:spTree>
@@ -1430,7 +1189,7 @@
           <a:bodyPr wrap="square" lIns="0" tIns="0" rIns="0" bIns="0" rtlCol="0" anchor="t"/>
           <a:lstStyle/>
           <a:p>
-            <a:pPr algn="ctr" indent="0" marL="0">
+            <a:pPr marL="0" indent="0" algn="ctr">
               <a:lnSpc>
                 <a:spcPts val="6240"/>
               </a:lnSpc>
@@ -1475,7 +1234,7 @@
           <a:bodyPr wrap="square" lIns="0" tIns="0" rIns="0" bIns="0" rtlCol="0" anchor="t"/>
           <a:lstStyle/>
           <a:p>
-            <a:pPr algn="ctr" indent="0" marL="0">
+            <a:pPr marL="0" indent="0" algn="ctr">
               <a:lnSpc>
                 <a:spcPts val="2800"/>
               </a:lnSpc>
@@ -1512,6 +1271,7 @@
         <a:solidFill>
           <a:srgbClr val="1C1C2E"/>
         </a:solidFill>
+        <a:effectLst/>
       </p:bgPr>
     </p:bg>
     <p:spTree>
@@ -1549,7 +1309,7 @@
           <a:bodyPr wrap="square" lIns="0" tIns="0" rIns="0" bIns="0" rtlCol="0" anchor="t"/>
           <a:lstStyle/>
           <a:p>
-            <a:pPr algn="l" indent="0" marL="0">
+            <a:pPr marL="0" indent="0" algn="l">
               <a:spcAft>
                 <a:spcPts val="3500"/>
               </a:spcAft>
@@ -1591,7 +1351,7 @@
           <a:bodyPr wrap="square" lIns="0" tIns="0" rIns="0" bIns="0" rtlCol="0" anchor="t"/>
           <a:lstStyle/>
           <a:p>
-            <a:pPr algn="l" indent="0" marL="0">
+            <a:pPr marL="0" indent="0" algn="l">
               <a:lnSpc>
                 <a:spcPts val="3300"/>
               </a:lnSpc>
@@ -1636,7 +1396,7 @@
           <a:bodyPr wrap="square" lIns="0" tIns="0" rIns="0" bIns="0" rtlCol="0" anchor="t"/>
           <a:lstStyle/>
           <a:p>
-            <a:pPr algn="l" indent="0" marL="0">
+            <a:pPr marL="0" indent="0" algn="l">
               <a:lnSpc>
                 <a:spcPts val="3300"/>
               </a:lnSpc>
@@ -1681,7 +1441,7 @@
           <a:bodyPr wrap="square" lIns="0" tIns="0" rIns="0" bIns="0" rtlCol="0" anchor="t"/>
           <a:lstStyle/>
           <a:p>
-            <a:pPr algn="l" indent="0" marL="0">
+            <a:pPr marL="0" indent="0" algn="l">
               <a:lnSpc>
                 <a:spcPts val="3900"/>
               </a:lnSpc>
@@ -1724,6 +1484,7 @@
         <a:solidFill>
           <a:srgbClr val="1C1C2E"/>
         </a:solidFill>
+        <a:effectLst/>
       </p:bgPr>
     </p:bg>
     <p:spTree>
@@ -1761,7 +1522,7 @@
           <a:bodyPr wrap="square" lIns="0" tIns="0" rIns="0" bIns="0" rtlCol="0" anchor="t"/>
           <a:lstStyle/>
           <a:p>
-            <a:pPr algn="l" indent="0" marL="0">
+            <a:pPr marL="0" indent="0" algn="l">
               <a:spcAft>
                 <a:spcPts val="3500"/>
               </a:spcAft>
@@ -1803,7 +1564,7 @@
           <a:bodyPr wrap="square" lIns="0" tIns="0" rIns="0" bIns="0" rtlCol="0" anchor="t"/>
           <a:lstStyle/>
           <a:p>
-            <a:pPr algn="l" indent="0" marL="0">
+            <a:pPr marL="0" indent="0" algn="l">
               <a:lnSpc>
                 <a:spcPts val="3000"/>
               </a:lnSpc>
@@ -1848,7 +1609,7 @@
           <a:bodyPr wrap="square" lIns="190500" tIns="0" rIns="0" bIns="0" rtlCol="0" anchor="t"/>
           <a:lstStyle/>
           <a:p>
-            <a:pPr algn="l" marL="190500" indent="-190500">
+            <a:pPr marL="190500" indent="-190500" algn="l">
               <a:lnSpc>
                 <a:spcPts val="3060"/>
               </a:lnSpc>
@@ -1869,7 +1630,7 @@
             <a:endParaRPr lang="en-US" sz="1800" dirty="0"/>
           </a:p>
           <a:p>
-            <a:pPr algn="l" marL="190500" indent="-190500">
+            <a:pPr marL="190500" indent="-190500" algn="l">
               <a:lnSpc>
                 <a:spcPts val="3060"/>
               </a:lnSpc>
@@ -1890,7 +1651,7 @@
             <a:endParaRPr lang="en-US" sz="1800" dirty="0"/>
           </a:p>
           <a:p>
-            <a:pPr algn="l" marL="190500" indent="-190500">
+            <a:pPr marL="190500" indent="-190500" algn="l">
               <a:lnSpc>
                 <a:spcPts val="3060"/>
               </a:lnSpc>
@@ -1911,7 +1672,7 @@
             <a:endParaRPr lang="en-US" sz="1800" dirty="0"/>
           </a:p>
           <a:p>
-            <a:pPr algn="l" marL="190500" indent="-190500">
+            <a:pPr marL="190500" indent="-190500" algn="l">
               <a:lnSpc>
                 <a:spcPts val="3060"/>
               </a:lnSpc>
@@ -1954,7 +1715,7 @@
           <a:bodyPr wrap="square" lIns="0" tIns="0" rIns="0" bIns="0" rtlCol="0" anchor="t"/>
           <a:lstStyle/>
           <a:p>
-            <a:pPr algn="l" indent="0" marL="0">
+            <a:pPr marL="0" indent="0" algn="l">
               <a:lnSpc>
                 <a:spcPts val="3000"/>
               </a:lnSpc>
@@ -1994,6 +1755,7 @@
         <a:solidFill>
           <a:srgbClr val="1C1C2E"/>
         </a:solidFill>
+        <a:effectLst/>
       </p:bgPr>
     </p:bg>
     <p:spTree>
@@ -2031,7 +1793,7 @@
           <a:bodyPr wrap="square" lIns="0" tIns="0" rIns="0" bIns="0" rtlCol="0" anchor="t"/>
           <a:lstStyle/>
           <a:p>
-            <a:pPr algn="l" indent="0" marL="0">
+            <a:pPr marL="0" indent="0" algn="l">
               <a:spcAft>
                 <a:spcPts val="2000"/>
               </a:spcAft>
@@ -2073,7 +1835,7 @@
           <a:bodyPr wrap="square" lIns="0" tIns="0" rIns="0" bIns="0" rtlCol="0" anchor="t"/>
           <a:lstStyle/>
           <a:p>
-            <a:pPr algn="l" indent="0" marL="0">
+            <a:pPr marL="0" indent="0" algn="l">
               <a:lnSpc>
                 <a:spcPts val="2520"/>
               </a:lnSpc>
@@ -2118,7 +1880,7 @@
           <a:bodyPr wrap="square" lIns="190500" tIns="0" rIns="0" bIns="0" rtlCol="0" anchor="t"/>
           <a:lstStyle/>
           <a:p>
-            <a:pPr algn="l" marL="190500" indent="-190500">
+            <a:pPr marL="190500" indent="-190500" algn="l">
               <a:lnSpc>
                 <a:spcPts val="2400"/>
               </a:lnSpc>
@@ -2139,15 +1901,6 @@
               </a:rPr>
               <a:t>Models</a:t>
             </a:r>
-            <a:pPr algn="l" indent="0" marL="0">
-              <a:lnSpc>
-                <a:spcPts val="2400"/>
-              </a:lnSpc>
-              <a:spcAft>
-                <a:spcPts val="600"/>
-              </a:spcAft>
-              <a:buNone/>
-            </a:pPr>
             <a:r>
               <a:rPr lang="en-US" sz="1600" dirty="0">
                 <a:solidFill>
@@ -2162,7 +1915,7 @@
             <a:endParaRPr lang="en-US" sz="1600" dirty="0"/>
           </a:p>
           <a:p>
-            <a:pPr algn="l" marL="190500" indent="-190500">
+            <a:pPr marL="190500" indent="-190500" algn="l">
               <a:lnSpc>
                 <a:spcPts val="2400"/>
               </a:lnSpc>
@@ -2183,15 +1936,6 @@
               </a:rPr>
               <a:t>AI developer tools</a:t>
             </a:r>
-            <a:pPr algn="l" indent="0" marL="0">
-              <a:lnSpc>
-                <a:spcPts val="2400"/>
-              </a:lnSpc>
-              <a:spcAft>
-                <a:spcPts val="600"/>
-              </a:spcAft>
-              <a:buNone/>
-            </a:pPr>
             <a:r>
               <a:rPr lang="en-US" sz="1600" dirty="0">
                 <a:solidFill>
@@ -2206,7 +1950,7 @@
             <a:endParaRPr lang="en-US" sz="1600" dirty="0"/>
           </a:p>
           <a:p>
-            <a:pPr algn="l" marL="190500" indent="-190500">
+            <a:pPr marL="190500" indent="-190500" algn="l">
               <a:lnSpc>
                 <a:spcPts val="2400"/>
               </a:lnSpc>
@@ -2227,15 +1971,6 @@
               </a:rPr>
               <a:t>Agentic frameworks</a:t>
             </a:r>
-            <a:pPr algn="l" indent="0" marL="0">
-              <a:lnSpc>
-                <a:spcPts val="2400"/>
-              </a:lnSpc>
-              <a:spcAft>
-                <a:spcPts val="600"/>
-              </a:spcAft>
-              <a:buNone/>
-            </a:pPr>
             <a:r>
               <a:rPr lang="en-US" sz="1600" dirty="0">
                 <a:solidFill>
@@ -2272,7 +2007,7 @@
           <a:bodyPr wrap="square" lIns="0" tIns="0" rIns="0" bIns="0" rtlCol="0" anchor="t"/>
           <a:lstStyle/>
           <a:p>
-            <a:pPr algn="l" indent="0" marL="0">
+            <a:pPr marL="0" indent="0" algn="l">
               <a:lnSpc>
                 <a:spcPts val="2520"/>
               </a:lnSpc>
@@ -2292,15 +2027,6 @@
               </a:rPr>
               <a:t>Especially over the last few months, these improvements have </a:t>
             </a:r>
-            <a:pPr algn="l" indent="0" marL="0">
-              <a:lnSpc>
-                <a:spcPts val="2520"/>
-              </a:lnSpc>
-              <a:spcAft>
-                <a:spcPts val="1200"/>
-              </a:spcAft>
-              <a:buNone/>
-            </a:pPr>
             <a:r>
               <a:rPr lang="en-US" sz="1800" b="1" dirty="0">
                 <a:solidFill>
@@ -2312,15 +2038,6 @@
               </a:rPr>
               <a:t>exploded</a:t>
             </a:r>
-            <a:pPr algn="l" indent="0" marL="0">
-              <a:lnSpc>
-                <a:spcPts val="2520"/>
-              </a:lnSpc>
-              <a:spcAft>
-                <a:spcPts val="1200"/>
-              </a:spcAft>
-              <a:buNone/>
-            </a:pPr>
             <a:r>
               <a:rPr lang="en-US" sz="1800" dirty="0">
                 <a:solidFill>
@@ -2357,7 +2074,7 @@
           <a:bodyPr wrap="square" lIns="0" tIns="0" rIns="0" bIns="0" rtlCol="0" anchor="t"/>
           <a:lstStyle/>
           <a:p>
-            <a:pPr algn="l" indent="0" marL="0">
+            <a:pPr marL="0" indent="0" algn="l">
               <a:lnSpc>
                 <a:spcPts val="2520"/>
               </a:lnSpc>
@@ -2397,6 +2114,7 @@
         <a:solidFill>
           <a:srgbClr val="1C1C2E"/>
         </a:solidFill>
+        <a:effectLst/>
       </p:bgPr>
     </p:bg>
     <p:spTree>
@@ -2434,7 +2152,7 @@
           <a:bodyPr wrap="square" lIns="0" tIns="0" rIns="0" bIns="0" rtlCol="0" anchor="t"/>
           <a:lstStyle/>
           <a:p>
-            <a:pPr algn="l" indent="0" marL="0">
+            <a:pPr marL="0" indent="0" algn="l">
               <a:spcAft>
                 <a:spcPts val="1600"/>
               </a:spcAft>
@@ -2476,7 +2194,7 @@
           <a:bodyPr wrap="square" lIns="0" tIns="0" rIns="0" bIns="0" rtlCol="0" anchor="t"/>
           <a:lstStyle/>
           <a:p>
-            <a:pPr algn="l" indent="0" marL="0">
+            <a:pPr marL="0" indent="0" algn="l">
               <a:lnSpc>
                 <a:spcPts val="2380"/>
               </a:lnSpc>
@@ -2521,7 +2239,7 @@
           <a:bodyPr wrap="square" lIns="0" tIns="0" rIns="0" bIns="0" rtlCol="0" anchor="t"/>
           <a:lstStyle/>
           <a:p>
-            <a:pPr algn="l" indent="0" marL="0">
+            <a:pPr marL="0" indent="0" algn="l">
               <a:lnSpc>
                 <a:spcPts val="2380"/>
               </a:lnSpc>
@@ -2541,15 +2259,6 @@
               </a:rPr>
               <a:t>That's no longer true.</a:t>
             </a:r>
-            <a:pPr algn="l" indent="0" marL="0">
-              <a:lnSpc>
-                <a:spcPts val="2380"/>
-              </a:lnSpc>
-              <a:spcAft>
-                <a:spcPts val="1000"/>
-              </a:spcAft>
-              <a:buNone/>
-            </a:pPr>
             <a:r>
               <a:rPr lang="en-US" sz="1700" dirty="0">
                 <a:solidFill>
@@ -2586,7 +2295,7 @@
           <a:bodyPr wrap="square" lIns="190500" tIns="0" rIns="0" bIns="0" rtlCol="0" anchor="t"/>
           <a:lstStyle/>
           <a:p>
-            <a:pPr algn="l" marL="190500" indent="-190500">
+            <a:pPr marL="190500" indent="-190500" algn="l">
               <a:lnSpc>
                 <a:spcPts val="2250"/>
               </a:lnSpc>
@@ -2607,15 +2316,6 @@
               </a:rPr>
               <a:t>Agents can now handle </a:t>
             </a:r>
-            <a:pPr algn="l" indent="0" marL="0">
-              <a:lnSpc>
-                <a:spcPts val="2250"/>
-              </a:lnSpc>
-              <a:spcAft>
-                <a:spcPts val="500"/>
-              </a:spcAft>
-              <a:buNone/>
-            </a:pPr>
             <a:r>
               <a:rPr lang="en-US" sz="1500" b="1" dirty="0">
                 <a:solidFill>
@@ -2627,15 +2327,6 @@
               </a:rPr>
               <a:t>long-running, complex tasks</a:t>
             </a:r>
-            <a:pPr algn="l" indent="0" marL="0">
-              <a:lnSpc>
-                <a:spcPts val="2250"/>
-              </a:lnSpc>
-              <a:spcAft>
-                <a:spcPts val="500"/>
-              </a:spcAft>
-              <a:buNone/>
-            </a:pPr>
             <a:r>
               <a:rPr lang="en-US" sz="1500" dirty="0">
                 <a:solidFill>
@@ -2650,7 +2341,7 @@
             <a:endParaRPr lang="en-US" sz="1500" dirty="0"/>
           </a:p>
           <a:p>
-            <a:pPr algn="l" marL="190500" indent="-190500">
+            <a:pPr marL="190500" indent="-190500" algn="l">
               <a:lnSpc>
                 <a:spcPts val="2250"/>
               </a:lnSpc>
@@ -2671,15 +2362,6 @@
               </a:rPr>
               <a:t>One developer runs </a:t>
             </a:r>
-            <a:pPr algn="l" indent="0" marL="0">
-              <a:lnSpc>
-                <a:spcPts val="2250"/>
-              </a:lnSpc>
-              <a:spcAft>
-                <a:spcPts val="500"/>
-              </a:spcAft>
-              <a:buNone/>
-            </a:pPr>
             <a:r>
               <a:rPr lang="en-US" sz="1500" b="1" dirty="0">
                 <a:solidFill>
@@ -2691,15 +2373,6 @@
               </a:rPr>
               <a:t>multiple parallel work streams</a:t>
             </a:r>
-            <a:pPr algn="l" indent="0" marL="0">
-              <a:lnSpc>
-                <a:spcPts val="2250"/>
-              </a:lnSpc>
-              <a:spcAft>
-                <a:spcPts val="500"/>
-              </a:spcAft>
-              <a:buNone/>
-            </a:pPr>
             <a:r>
               <a:rPr lang="en-US" sz="1500" dirty="0">
                 <a:solidFill>
@@ -2714,7 +2387,7 @@
             <a:endParaRPr lang="en-US" sz="1500" dirty="0"/>
           </a:p>
           <a:p>
-            <a:pPr algn="l" marL="190500" indent="-190500">
+            <a:pPr marL="190500" indent="-190500" algn="l">
               <a:lnSpc>
                 <a:spcPts val="2250"/>
               </a:lnSpc>
@@ -2735,15 +2408,6 @@
               </a:rPr>
               <a:t>The ramp-up from "first agent" to "full automation" is happening in </a:t>
             </a:r>
-            <a:pPr algn="l" indent="0" marL="0">
-              <a:lnSpc>
-                <a:spcPts val="2250"/>
-              </a:lnSpc>
-              <a:spcAft>
-                <a:spcPts val="500"/>
-              </a:spcAft>
-              <a:buNone/>
-            </a:pPr>
             <a:r>
               <a:rPr lang="en-US" sz="1500" b="1" dirty="0">
                 <a:solidFill>
@@ -2780,7 +2444,7 @@
           <a:bodyPr wrap="square" lIns="0" tIns="0" rIns="0" bIns="0" rtlCol="0" anchor="t"/>
           <a:lstStyle/>
           <a:p>
-            <a:pPr algn="l" indent="0" marL="0">
+            <a:pPr marL="0" indent="0" algn="l">
               <a:lnSpc>
                 <a:spcPts val="2240"/>
               </a:lnSpc>
@@ -2823,6 +2487,7 @@
         <a:solidFill>
           <a:srgbClr val="1C1C2E"/>
         </a:solidFill>
+        <a:effectLst/>
       </p:bgPr>
     </p:bg>
     <p:spTree>
@@ -2847,7 +2512,7 @@
         </p:nvSpPr>
         <p:spPr>
           <a:xfrm>
-            <a:off x="2908372" y="1887736"/>
+            <a:off x="2856120" y="320193"/>
             <a:ext cx="3327255" cy="371475"/>
           </a:xfrm>
           <a:prstGeom prst="rect">
@@ -2860,7 +2525,7 @@
           <a:bodyPr wrap="square" lIns="0" tIns="0" rIns="0" bIns="0" rtlCol="0" anchor="t"/>
           <a:lstStyle/>
           <a:p>
-            <a:pPr algn="ctr" indent="0" marL="0">
+            <a:pPr marL="0" indent="0" algn="ctr">
               <a:spcAft>
                 <a:spcPts val="400"/>
               </a:spcAft>
@@ -2889,7 +2554,7 @@
         </p:nvSpPr>
         <p:spPr>
           <a:xfrm>
-            <a:off x="1929993" y="2309961"/>
+            <a:off x="1877814" y="871561"/>
             <a:ext cx="5283866" cy="214461"/>
           </a:xfrm>
           <a:prstGeom prst="rect">
@@ -2902,7 +2567,7 @@
           <a:bodyPr wrap="square" lIns="0" tIns="0" rIns="0" bIns="0" rtlCol="0" anchor="t"/>
           <a:lstStyle/>
           <a:p>
-            <a:pPr algn="ctr" indent="0" marL="0">
+            <a:pPr marL="0" indent="0" algn="ctr">
               <a:lnSpc>
                 <a:spcPts val="1690"/>
               </a:lnSpc>
@@ -2926,70 +2591,22 @@
           </a:p>
         </p:txBody>
       </p:sp>
-      <p:sp>
-        <p:nvSpPr>
-          <p:cNvPr id="4" name="Text 2"/>
-          <p:cNvSpPr/>
-          <p:nvPr/>
-        </p:nvSpPr>
-        <p:spPr>
-          <a:xfrm>
-            <a:off x="1867905" y="2702123"/>
-            <a:ext cx="5408042" cy="198090"/>
-          </a:xfrm>
-          <a:prstGeom prst="rect">
-            <a:avLst/>
-          </a:prstGeom>
-          <a:noFill/>
-          <a:ln/>
-        </p:spPr>
-        <p:txBody>
-          <a:bodyPr wrap="square" lIns="0" tIns="0" rIns="0" bIns="0" rtlCol="0" anchor="t"/>
-          <a:lstStyle/>
-          <a:p>
-            <a:pPr algn="ctr" indent="0" marL="0">
-              <a:lnSpc>
-                <a:spcPts val="1560"/>
-              </a:lnSpc>
-              <a:spcBef>
-                <a:spcPts val="600"/>
-              </a:spcBef>
-              <a:spcAft>
-                <a:spcPts val="800"/>
-              </a:spcAft>
-              <a:buNone/>
-            </a:pPr>
-            <a:r>
-              <a:rPr lang="en-US" sz="1200" b="1" dirty="0">
-                <a:solidFill>
-                  <a:srgbClr val="5EA8A7"/>
-                </a:solidFill>
-                <a:latin typeface="Arial" pitchFamily="34" charset="0"/>
-                <a:ea typeface="Arial" pitchFamily="34" charset="-122"/>
-                <a:cs typeface="Arial" pitchFamily="34" charset="-120"/>
-              </a:rPr>
-              <a:t>AI-first developers ride the capability curve. Everyone else falls behind it.</a:t>
-            </a:r>
-            <a:endParaRPr lang="en-US" sz="1200" dirty="0"/>
-          </a:p>
-        </p:txBody>
-      </p:sp>
       <p:pic>
         <p:nvPicPr>
-          <p:cNvPr id="5" name="Image 0" descr="C:\Users\cirvine\code\work\editless.wt\leadership-presentation\docs\presentations\workspace\short\capability-curve.png">    </p:cNvPr>
+          <p:cNvPr id="5" name="Image 0" descr="C:\Users\cirvine\code\work\editless.wt\leadership-presentation\docs\presentations\workspace\short\capability-curve.png"/>
           <p:cNvPicPr>
             <a:picLocks noChangeAspect="1"/>
           </p:cNvPicPr>
           <p:nvPr/>
         </p:nvPicPr>
         <p:blipFill>
-          <a:blip r:embed="rId1"/>
-          <a:srcRect l="0" r="0" t="0" b="0"/>
+          <a:blip r:embed="rId3"/>
+          <a:srcRect/>
           <a:stretch/>
         </p:blipFill>
         <p:spPr>
           <a:xfrm>
-            <a:off x="1097280" y="1188720"/>
+            <a:off x="1169125" y="1365068"/>
             <a:ext cx="6949440" cy="3200400"/>
           </a:xfrm>
           <a:prstGeom prst="rect">
@@ -3013,6 +2630,7 @@
         <a:solidFill>
           <a:srgbClr val="1C1C2E"/>
         </a:solidFill>
+        <a:effectLst/>
       </p:bgPr>
     </p:bg>
     <p:spTree>
@@ -3050,7 +2668,7 @@
           <a:bodyPr wrap="square" lIns="0" tIns="0" rIns="0" bIns="0" rtlCol="0" anchor="t"/>
           <a:lstStyle/>
           <a:p>
-            <a:pPr algn="l" indent="0" marL="0">
+            <a:pPr marL="0" indent="0" algn="l">
               <a:spcAft>
                 <a:spcPts val="2500"/>
               </a:spcAft>
@@ -3092,7 +2710,7 @@
           <a:bodyPr wrap="square" lIns="0" tIns="0" rIns="0" bIns="0" rtlCol="0" anchor="t"/>
           <a:lstStyle/>
           <a:p>
-            <a:pPr algn="l" indent="0" marL="0">
+            <a:pPr marL="0" indent="0" algn="l">
               <a:lnSpc>
                 <a:spcPts val="2380"/>
               </a:lnSpc>
@@ -3137,7 +2755,7 @@
           <a:bodyPr wrap="square" lIns="0" tIns="0" rIns="0" bIns="0" rtlCol="0" anchor="t"/>
           <a:lstStyle/>
           <a:p>
-            <a:pPr algn="l" indent="0" marL="0">
+            <a:pPr marL="0" indent="0" algn="l">
               <a:lnSpc>
                 <a:spcPts val="2400"/>
               </a:lnSpc>
@@ -3185,7 +2803,7 @@
           <a:bodyPr wrap="square" lIns="0" tIns="0" rIns="0" bIns="0" rtlCol="0" anchor="t"/>
           <a:lstStyle/>
           <a:p>
-            <a:pPr algn="l" indent="0" marL="0">
+            <a:pPr marL="0" indent="0" algn="l">
               <a:lnSpc>
                 <a:spcPts val="2660"/>
               </a:lnSpc>
@@ -3513,4 +3131,325 @@
     </a:ext>
   </a:extLst>
 </a:theme>
+</file>
+
+<file path=ppt/theme/theme2.xml><?xml version="1.0" encoding="utf-8"?>
+<a:theme xmlns:a="http://schemas.openxmlformats.org/drawingml/2006/main" name="Office Theme">
+  <a:themeElements>
+    <a:clrScheme name="Office">
+      <a:dk1>
+        <a:sysClr val="windowText" lastClr="000000"/>
+      </a:dk1>
+      <a:lt1>
+        <a:sysClr val="window" lastClr="FFFFFF"/>
+      </a:lt1>
+      <a:dk2>
+        <a:srgbClr val="0E2841"/>
+      </a:dk2>
+      <a:lt2>
+        <a:srgbClr val="E8E8E8"/>
+      </a:lt2>
+      <a:accent1>
+        <a:srgbClr val="156082"/>
+      </a:accent1>
+      <a:accent2>
+        <a:srgbClr val="E97132"/>
+      </a:accent2>
+      <a:accent3>
+        <a:srgbClr val="196B24"/>
+      </a:accent3>
+      <a:accent4>
+        <a:srgbClr val="0F9ED5"/>
+      </a:accent4>
+      <a:accent5>
+        <a:srgbClr val="A02B93"/>
+      </a:accent5>
+      <a:accent6>
+        <a:srgbClr val="4EA72E"/>
+      </a:accent6>
+      <a:hlink>
+        <a:srgbClr val="467886"/>
+      </a:hlink>
+      <a:folHlink>
+        <a:srgbClr val="96607D"/>
+      </a:folHlink>
+    </a:clrScheme>
+    <a:fontScheme name="Office">
+      <a:majorFont>
+        <a:latin typeface="Aptos Display" panose="02110004020202020204"/>
+        <a:ea typeface=""/>
+        <a:cs typeface=""/>
+        <a:font script="Jpan" typeface="游ゴシック Light"/>
+        <a:font script="Hang" typeface="맑은 고딕"/>
+        <a:font script="Hans" typeface="等线 Light"/>
+        <a:font script="Hant" typeface="新細明體"/>
+        <a:font script="Arab" typeface="Times New Roman"/>
+        <a:font script="Hebr" typeface="Times New Roman"/>
+        <a:font script="Thai" typeface="Angsana New"/>
+        <a:font script="Ethi" typeface="Nyala"/>
+        <a:font script="Beng" typeface="Vrinda"/>
+        <a:font script="Gujr" typeface="Shruti"/>
+        <a:font script="Khmr" typeface="MoolBoran"/>
+        <a:font script="Knda" typeface="Tunga"/>
+        <a:font script="Guru" typeface="Raavi"/>
+        <a:font script="Cans" typeface="Euphemia"/>
+        <a:font script="Cher" typeface="Plantagenet Cherokee"/>
+        <a:font script="Yiii" typeface="Microsoft Yi Baiti"/>
+        <a:font script="Tibt" typeface="Microsoft Himalaya"/>
+        <a:font script="Thaa" typeface="MV Boli"/>
+        <a:font script="Deva" typeface="Mangal"/>
+        <a:font script="Telu" typeface="Gautami"/>
+        <a:font script="Taml" typeface="Latha"/>
+        <a:font script="Syrc" typeface="Estrangelo Edessa"/>
+        <a:font script="Orya" typeface="Kalinga"/>
+        <a:font script="Mlym" typeface="Kartika"/>
+        <a:font script="Laoo" typeface="DokChampa"/>
+        <a:font script="Sinh" typeface="Iskoola Pota"/>
+        <a:font script="Mong" typeface="Mongolian Baiti"/>
+        <a:font script="Viet" typeface="Times New Roman"/>
+        <a:font script="Uigh" typeface="Microsoft Uighur"/>
+        <a:font script="Geor" typeface="Sylfaen"/>
+        <a:font script="Armn" typeface="Arial"/>
+        <a:font script="Bugi" typeface="Leelawadee UI"/>
+        <a:font script="Bopo" typeface="Microsoft JhengHei"/>
+        <a:font script="Java" typeface="Javanese Text"/>
+        <a:font script="Lisu" typeface="Segoe UI"/>
+        <a:font script="Mymr" typeface="Myanmar Text"/>
+        <a:font script="Nkoo" typeface="Ebrima"/>
+        <a:font script="Olck" typeface="Nirmala UI"/>
+        <a:font script="Osma" typeface="Ebrima"/>
+        <a:font script="Phag" typeface="Phagspa"/>
+        <a:font script="Syrn" typeface="Estrangelo Edessa"/>
+        <a:font script="Syrj" typeface="Estrangelo Edessa"/>
+        <a:font script="Syre" typeface="Estrangelo Edessa"/>
+        <a:font script="Sora" typeface="Nirmala UI"/>
+        <a:font script="Tale" typeface="Microsoft Tai Le"/>
+        <a:font script="Talu" typeface="Microsoft New Tai Lue"/>
+        <a:font script="Tfng" typeface="Ebrima"/>
+      </a:majorFont>
+      <a:minorFont>
+        <a:latin typeface="Aptos" panose="02110004020202020204"/>
+        <a:ea typeface=""/>
+        <a:cs typeface=""/>
+        <a:font script="Jpan" typeface="游ゴシック"/>
+        <a:font script="Hang" typeface="맑은 고딕"/>
+        <a:font script="Hans" typeface="等线"/>
+        <a:font script="Hant" typeface="新細明體"/>
+        <a:font script="Arab" typeface="Arial"/>
+        <a:font script="Hebr" typeface="Arial"/>
+        <a:font script="Thai" typeface="Cordia New"/>
+        <a:font script="Ethi" typeface="Nyala"/>
+        <a:font script="Beng" typeface="Vrinda"/>
+        <a:font script="Gujr" typeface="Shruti"/>
+        <a:font script="Khmr" typeface="DaunPenh"/>
+        <a:font script="Knda" typeface="Tunga"/>
+        <a:font script="Guru" typeface="Raavi"/>
+        <a:font script="Cans" typeface="Euphemia"/>
+        <a:font script="Cher" typeface="Plantagenet Cherokee"/>
+        <a:font script="Yiii" typeface="Microsoft Yi Baiti"/>
+        <a:font script="Tibt" typeface="Microsoft Himalaya"/>
+        <a:font script="Thaa" typeface="MV Boli"/>
+        <a:font script="Deva" typeface="Mangal"/>
+        <a:font script="Telu" typeface="Gautami"/>
+        <a:font script="Taml" typeface="Latha"/>
+        <a:font script="Syrc" typeface="Estrangelo Edessa"/>
+        <a:font script="Orya" typeface="Kalinga"/>
+        <a:font script="Mlym" typeface="Kartika"/>
+        <a:font script="Laoo" typeface="DokChampa"/>
+        <a:font script="Sinh" typeface="Iskoola Pota"/>
+        <a:font script="Mong" typeface="Mongolian Baiti"/>
+        <a:font script="Viet" typeface="Arial"/>
+        <a:font script="Uigh" typeface="Microsoft Uighur"/>
+        <a:font script="Geor" typeface="Sylfaen"/>
+        <a:font script="Armn" typeface="Arial"/>
+        <a:font script="Bugi" typeface="Leelawadee UI"/>
+        <a:font script="Bopo" typeface="Microsoft JhengHei"/>
+        <a:font script="Java" typeface="Javanese Text"/>
+        <a:font script="Lisu" typeface="Segoe UI"/>
+        <a:font script="Mymr" typeface="Myanmar Text"/>
+        <a:font script="Nkoo" typeface="Ebrima"/>
+        <a:font script="Olck" typeface="Nirmala UI"/>
+        <a:font script="Osma" typeface="Ebrima"/>
+        <a:font script="Phag" typeface="Phagspa"/>
+        <a:font script="Syrn" typeface="Estrangelo Edessa"/>
+        <a:font script="Syrj" typeface="Estrangelo Edessa"/>
+        <a:font script="Syre" typeface="Estrangelo Edessa"/>
+        <a:font script="Sora" typeface="Nirmala UI"/>
+        <a:font script="Tale" typeface="Microsoft Tai Le"/>
+        <a:font script="Talu" typeface="Microsoft New Tai Lue"/>
+        <a:font script="Tfng" typeface="Ebrima"/>
+      </a:minorFont>
+    </a:fontScheme>
+    <a:fmtScheme name="Office">
+      <a:fillStyleLst>
+        <a:solidFill>
+          <a:schemeClr val="phClr"/>
+        </a:solidFill>
+        <a:gradFill rotWithShape="1">
+          <a:gsLst>
+            <a:gs pos="0">
+              <a:schemeClr val="phClr">
+                <a:lumMod val="110000"/>
+                <a:satMod val="105000"/>
+                <a:tint val="67000"/>
+              </a:schemeClr>
+            </a:gs>
+            <a:gs pos="50000">
+              <a:schemeClr val="phClr">
+                <a:lumMod val="105000"/>
+                <a:satMod val="103000"/>
+                <a:tint val="73000"/>
+              </a:schemeClr>
+            </a:gs>
+            <a:gs pos="100000">
+              <a:schemeClr val="phClr">
+                <a:lumMod val="105000"/>
+                <a:satMod val="109000"/>
+                <a:tint val="81000"/>
+              </a:schemeClr>
+            </a:gs>
+          </a:gsLst>
+          <a:lin ang="5400000" scaled="0"/>
+        </a:gradFill>
+        <a:gradFill rotWithShape="1">
+          <a:gsLst>
+            <a:gs pos="0">
+              <a:schemeClr val="phClr">
+                <a:satMod val="103000"/>
+                <a:lumMod val="102000"/>
+                <a:tint val="94000"/>
+              </a:schemeClr>
+            </a:gs>
+            <a:gs pos="50000">
+              <a:schemeClr val="phClr">
+                <a:satMod val="110000"/>
+                <a:lumMod val="100000"/>
+                <a:shade val="100000"/>
+              </a:schemeClr>
+            </a:gs>
+            <a:gs pos="100000">
+              <a:schemeClr val="phClr">
+                <a:lumMod val="99000"/>
+                <a:satMod val="120000"/>
+                <a:shade val="78000"/>
+              </a:schemeClr>
+            </a:gs>
+          </a:gsLst>
+          <a:lin ang="5400000" scaled="0"/>
+        </a:gradFill>
+      </a:fillStyleLst>
+      <a:lnStyleLst>
+        <a:ln w="12700" cap="flat" cmpd="sng" algn="ctr">
+          <a:solidFill>
+            <a:schemeClr val="phClr"/>
+          </a:solidFill>
+          <a:prstDash val="solid"/>
+          <a:miter lim="800000"/>
+        </a:ln>
+        <a:ln w="19050" cap="flat" cmpd="sng" algn="ctr">
+          <a:solidFill>
+            <a:schemeClr val="phClr"/>
+          </a:solidFill>
+          <a:prstDash val="solid"/>
+          <a:miter lim="800000"/>
+        </a:ln>
+        <a:ln w="25400" cap="flat" cmpd="sng" algn="ctr">
+          <a:solidFill>
+            <a:schemeClr val="phClr"/>
+          </a:solidFill>
+          <a:prstDash val="solid"/>
+          <a:miter lim="800000"/>
+        </a:ln>
+      </a:lnStyleLst>
+      <a:effectStyleLst>
+        <a:effectStyle>
+          <a:effectLst/>
+        </a:effectStyle>
+        <a:effectStyle>
+          <a:effectLst/>
+        </a:effectStyle>
+        <a:effectStyle>
+          <a:effectLst>
+            <a:outerShdw blurRad="57150" dist="19050" dir="5400000" algn="ctr" rotWithShape="0">
+              <a:srgbClr val="000000">
+                <a:alpha val="63000"/>
+              </a:srgbClr>
+            </a:outerShdw>
+          </a:effectLst>
+        </a:effectStyle>
+      </a:effectStyleLst>
+      <a:bgFillStyleLst>
+        <a:solidFill>
+          <a:schemeClr val="phClr"/>
+        </a:solidFill>
+        <a:solidFill>
+          <a:schemeClr val="phClr">
+            <a:tint val="95000"/>
+            <a:satMod val="170000"/>
+          </a:schemeClr>
+        </a:solidFill>
+        <a:gradFill rotWithShape="1">
+          <a:gsLst>
+            <a:gs pos="0">
+              <a:schemeClr val="phClr">
+                <a:tint val="93000"/>
+                <a:satMod val="150000"/>
+                <a:shade val="98000"/>
+                <a:lumMod val="102000"/>
+              </a:schemeClr>
+            </a:gs>
+            <a:gs pos="50000">
+              <a:schemeClr val="phClr">
+                <a:tint val="98000"/>
+                <a:satMod val="130000"/>
+                <a:shade val="90000"/>
+                <a:lumMod val="103000"/>
+              </a:schemeClr>
+            </a:gs>
+            <a:gs pos="100000">
+              <a:schemeClr val="phClr">
+                <a:shade val="63000"/>
+                <a:satMod val="120000"/>
+              </a:schemeClr>
+            </a:gs>
+          </a:gsLst>
+          <a:lin ang="5400000" scaled="0"/>
+        </a:gradFill>
+      </a:bgFillStyleLst>
+    </a:fmtScheme>
+  </a:themeElements>
+  <a:objectDefaults>
+    <a:lnDef>
+      <a:spPr/>
+      <a:bodyPr/>
+      <a:lstStyle/>
+      <a:style>
+        <a:lnRef idx="2">
+          <a:schemeClr val="accent1"/>
+        </a:lnRef>
+        <a:fillRef idx="0">
+          <a:schemeClr val="accent1"/>
+        </a:fillRef>
+        <a:effectRef idx="1">
+          <a:schemeClr val="accent1"/>
+        </a:effectRef>
+        <a:fontRef idx="minor">
+          <a:schemeClr val="tx1"/>
+        </a:fontRef>
+      </a:style>
+    </a:lnDef>
+  </a:objectDefaults>
+  <a:extraClrSchemeLst/>
+  <a:extLst>
+    <a:ext uri="{05A4C25C-085E-4340-85A3-A5531E510DB2}">
+      <thm15:themeFamily xmlns:thm15="http://schemas.microsoft.com/office/thememl/2012/main" name="Office Theme" id="{2E142A2C-CD16-42D6-873A-C26D2A0506FA}" vid="{1BDDFF52-6CD6-40A5-AB3C-68EB2F1E4D0A}"/>
+    </a:ext>
+  </a:extLst>
+</a:theme>
+</file>
+
+<file path=docMetadata/LabelInfo.xml><?xml version="1.0" encoding="utf-8"?>
+<clbl:labelList xmlns:clbl="http://schemas.microsoft.com/office/2020/mipLabelMetadata">
+  <clbl:label id="{f42aa342-8706-4288-bd11-ebb85995028c}" enabled="1" method="Standard" siteId="{72f988bf-86f1-41af-91ab-2d7cd011db47}" contentBits="0" removed="0"/>
+</clbl:labelList>
 </file>